--- a/IMDB 자료.pptx
+++ b/IMDB 자료.pptx
@@ -5,7 +5,7 @@
     <p:sldMasterId id="2147483732" r:id="rId1"/>
   </p:sldMasterIdLst>
   <p:notesMasterIdLst>
-    <p:notesMasterId r:id="rId24"/>
+    <p:notesMasterId r:id="rId23"/>
   </p:notesMasterIdLst>
   <p:sldIdLst>
     <p:sldId id="329" r:id="rId2"/>
@@ -15,21 +15,20 @@
     <p:sldId id="341" r:id="rId6"/>
     <p:sldId id="342" r:id="rId7"/>
     <p:sldId id="343" r:id="rId8"/>
-    <p:sldId id="344" r:id="rId9"/>
-    <p:sldId id="358" r:id="rId10"/>
-    <p:sldId id="359" r:id="rId11"/>
-    <p:sldId id="360" r:id="rId12"/>
-    <p:sldId id="361" r:id="rId13"/>
-    <p:sldId id="345" r:id="rId14"/>
-    <p:sldId id="362" r:id="rId15"/>
-    <p:sldId id="363" r:id="rId16"/>
-    <p:sldId id="364" r:id="rId17"/>
-    <p:sldId id="365" r:id="rId18"/>
-    <p:sldId id="368" r:id="rId19"/>
-    <p:sldId id="366" r:id="rId20"/>
-    <p:sldId id="369" r:id="rId21"/>
-    <p:sldId id="367" r:id="rId22"/>
-    <p:sldId id="370" r:id="rId23"/>
+    <p:sldId id="358" r:id="rId9"/>
+    <p:sldId id="359" r:id="rId10"/>
+    <p:sldId id="360" r:id="rId11"/>
+    <p:sldId id="361" r:id="rId12"/>
+    <p:sldId id="345" r:id="rId13"/>
+    <p:sldId id="362" r:id="rId14"/>
+    <p:sldId id="363" r:id="rId15"/>
+    <p:sldId id="364" r:id="rId16"/>
+    <p:sldId id="365" r:id="rId17"/>
+    <p:sldId id="368" r:id="rId18"/>
+    <p:sldId id="366" r:id="rId19"/>
+    <p:sldId id="369" r:id="rId20"/>
+    <p:sldId id="367" r:id="rId21"/>
+    <p:sldId id="370" r:id="rId22"/>
   </p:sldIdLst>
   <p:sldSz cx="9906000" cy="6858000" type="A4"/>
   <p:notesSz cx="6858000" cy="9144000"/>
@@ -4568,7 +4567,7 @@
                   <a:schemeClr val="bg1"/>
                 </a:solidFill>
               </a:rPr>
-              <a:t>3.</a:t>
+              <a:t>4.</a:t>
             </a:r>
             <a:r>
               <a:rPr kumimoji="1" lang="ko-KR" altLang="en-US" sz="1400" dirty="0">
@@ -4576,7 +4575,7 @@
                   <a:schemeClr val="bg1"/>
                 </a:solidFill>
               </a:rPr>
-              <a:t>   만들어진 </a:t>
+              <a:t>  요구된 </a:t>
             </a:r>
             <a:r>
               <a:rPr kumimoji="1" lang="en-US" altLang="ko-KR" sz="1400" dirty="0">
@@ -4584,7 +4583,7 @@
                   <a:schemeClr val="bg1"/>
                 </a:solidFill>
               </a:rPr>
-              <a:t>Table</a:t>
+              <a:t>Query</a:t>
             </a:r>
             <a:r>
               <a:rPr kumimoji="1" lang="ko-KR" altLang="en-US" sz="1400" dirty="0">
@@ -4592,7 +4591,7 @@
                   <a:schemeClr val="bg1"/>
                 </a:solidFill>
               </a:rPr>
-              <a:t>에 </a:t>
+              <a:t>들을 실행하여 적절히 값이 나오는지 확인한다</a:t>
             </a:r>
             <a:r>
               <a:rPr kumimoji="1" lang="en-US" altLang="ko-KR" sz="1400" dirty="0">
@@ -4600,37 +4599,29 @@
                   <a:schemeClr val="bg1"/>
                 </a:solidFill>
               </a:rPr>
-              <a:t>insert into select</a:t>
-            </a:r>
-            <a:r>
-              <a:rPr kumimoji="1" lang="ko-KR" altLang="en-US" sz="1400" dirty="0">
-                <a:solidFill>
-                  <a:schemeClr val="bg1"/>
-                </a:solidFill>
-              </a:rPr>
-              <a:t>문으로 데이터 값 삽입</a:t>
-            </a:r>
+              <a:t>.</a:t>
+            </a:r>
+            <a:endParaRPr kumimoji="1" lang="ko-Kore-KR" altLang="en-US" sz="1400" dirty="0">
+              <a:solidFill>
+                <a:schemeClr val="bg1"/>
+              </a:solidFill>
+            </a:endParaRPr>
+          </a:p>
+          <a:p>
             <a:endParaRPr kumimoji="1" lang="en-US" altLang="ko-KR" sz="1400" dirty="0">
               <a:solidFill>
                 <a:schemeClr val="bg1"/>
               </a:solidFill>
             </a:endParaRPr>
           </a:p>
-          <a:p>
-            <a:endParaRPr kumimoji="1" lang="en-US" altLang="ko-KR" sz="1400" dirty="0">
-              <a:solidFill>
-                <a:schemeClr val="bg1"/>
-              </a:solidFill>
-            </a:endParaRPr>
-          </a:p>
         </p:txBody>
       </p:sp>
       <p:pic>
         <p:nvPicPr>
-          <p:cNvPr id="3" name="그림 2">
-            <a:extLst>
-              <a:ext uri="{FF2B5EF4-FFF2-40B4-BE49-F238E27FC236}">
-                <a16:creationId xmlns:a16="http://schemas.microsoft.com/office/drawing/2014/main" id="{614554D1-A8F2-584B-9220-88B0B3666DDD}"/>
+          <p:cNvPr id="3" name="그림 2" descr="텍스트, 점수판, 스크린샷이(가) 표시된 사진&#10;&#10;자동 생성된 설명">
+            <a:extLst>
+              <a:ext uri="{FF2B5EF4-FFF2-40B4-BE49-F238E27FC236}">
+                <a16:creationId xmlns:a16="http://schemas.microsoft.com/office/drawing/2014/main" id="{E586F537-8073-D644-900E-FB1C34127397}"/>
               </a:ext>
             </a:extLst>
           </p:cNvPr>
@@ -4653,8 +4644,8 @@
         </p:blipFill>
         <p:spPr>
           <a:xfrm>
-            <a:off x="505004" y="1063170"/>
-            <a:ext cx="8464303" cy="787377"/>
+            <a:off x="686778" y="3431511"/>
+            <a:ext cx="3981726" cy="1209265"/>
           </a:xfrm>
           <a:prstGeom prst="rect">
             <a:avLst/>
@@ -4666,7 +4657,7 @@
           <p:cNvPr id="6" name="그림 5">
             <a:extLst>
               <a:ext uri="{FF2B5EF4-FFF2-40B4-BE49-F238E27FC236}">
-                <a16:creationId xmlns:a16="http://schemas.microsoft.com/office/drawing/2014/main" id="{82900FCD-843A-8E4E-8262-D0C4D291B63E}"/>
+                <a16:creationId xmlns:a16="http://schemas.microsoft.com/office/drawing/2014/main" id="{E63CE0F1-F22B-D140-BB4C-96BE6E7D0D82}"/>
               </a:ext>
             </a:extLst>
           </p:cNvPr>
@@ -4689,8 +4680,8 @@
         </p:blipFill>
         <p:spPr>
           <a:xfrm>
-            <a:off x="122479" y="3439886"/>
-            <a:ext cx="9661041" cy="181428"/>
+            <a:off x="686778" y="1357086"/>
+            <a:ext cx="3496933" cy="1067766"/>
           </a:xfrm>
           <a:prstGeom prst="rect">
             <a:avLst/>
@@ -4699,10 +4690,10 @@
       </p:pic>
       <p:sp>
         <p:nvSpPr>
-          <p:cNvPr id="8" name="TextBox 7">
-            <a:extLst>
-              <a:ext uri="{FF2B5EF4-FFF2-40B4-BE49-F238E27FC236}">
-                <a16:creationId xmlns:a16="http://schemas.microsoft.com/office/drawing/2014/main" id="{2B1ECFD7-A4EE-E843-ADA4-CF3860C9453B}"/>
+          <p:cNvPr id="9" name="TextBox 8">
+            <a:extLst>
+              <a:ext uri="{FF2B5EF4-FFF2-40B4-BE49-F238E27FC236}">
+                <a16:creationId xmlns:a16="http://schemas.microsoft.com/office/drawing/2014/main" id="{2AB019A3-FF35-204C-9EE3-86F4F3C795C9}"/>
               </a:ext>
             </a:extLst>
           </p:cNvPr>
@@ -4711,7 +4702,7 @@
         </p:nvSpPr>
         <p:spPr>
           <a:xfrm>
-            <a:off x="411193" y="2961697"/>
+            <a:off x="598817" y="2950812"/>
             <a:ext cx="1915783" cy="369332"/>
           </a:xfrm>
           <a:prstGeom prst="rect">
@@ -4744,7 +4735,7 @@
     </p:spTree>
     <p:extLst>
       <p:ext uri="{BB962C8B-B14F-4D97-AF65-F5344CB8AC3E}">
-        <p14:creationId xmlns:p14="http://schemas.microsoft.com/office/powerpoint/2010/main" val="2746067066"/>
+        <p14:creationId xmlns:p14="http://schemas.microsoft.com/office/powerpoint/2010/main" val="3264359081"/>
       </p:ext>
     </p:extLst>
   </p:cSld>
@@ -4851,7 +4842,7 @@
                 <a:latin typeface="아리따-돋움(TTF)-Bold" panose="02020603020101020101" pitchFamily="18" charset="-127"/>
                 <a:ea typeface="아리따-돋움(TTF)-Bold" panose="02020603020101020101" pitchFamily="18" charset="-127"/>
               </a:rPr>
-              <a:t>코드 설명</a:t>
+              <a:t>코드 실행</a:t>
             </a:r>
             <a:endParaRPr lang="en-US" altLang="ko-KR" sz="2000" dirty="0">
               <a:solidFill>
@@ -4865,86 +4856,338 @@
       </p:sp>
       <p:sp>
         <p:nvSpPr>
-          <p:cNvPr id="22" name="직사각형 21"/>
-          <p:cNvSpPr/>
-          <p:nvPr/>
-        </p:nvSpPr>
-        <p:spPr>
-          <a:xfrm>
-            <a:off x="7059289" y="5715955"/>
-            <a:ext cx="2171437" cy="954107"/>
+          <p:cNvPr id="2" name="TextBox 1">
+            <a:extLst>
+              <a:ext uri="{FF2B5EF4-FFF2-40B4-BE49-F238E27FC236}">
+                <a16:creationId xmlns:a16="http://schemas.microsoft.com/office/drawing/2014/main" id="{739224EF-B324-DB40-BBF7-AC5224C6771C}"/>
+              </a:ext>
+            </a:extLst>
+          </p:cNvPr>
+          <p:cNvSpPr txBox="1"/>
+          <p:nvPr/>
+        </p:nvSpPr>
+        <p:spPr>
+          <a:xfrm>
+            <a:off x="870856" y="1208313"/>
+            <a:ext cx="7195458" cy="2585323"/>
           </a:xfrm>
           <a:prstGeom prst="rect">
             <a:avLst/>
           </a:prstGeom>
-        </p:spPr>
-        <p:txBody>
-          <a:bodyPr vert="horz" wrap="square">
+          <a:noFill/>
+        </p:spPr>
+        <p:txBody>
+          <a:bodyPr wrap="square" rtlCol="0">
             <a:spAutoFit/>
           </a:bodyPr>
           <a:lstStyle/>
           <a:p>
-            <a:r>
-              <a:rPr kumimoji="1" lang="en-US" altLang="ko-KR" sz="1400" dirty="0">
-                <a:solidFill>
-                  <a:schemeClr val="bg1"/>
-                </a:solidFill>
-              </a:rPr>
-              <a:t>4.</a:t>
-            </a:r>
-            <a:r>
-              <a:rPr kumimoji="1" lang="ko-KR" altLang="en-US" sz="1400" dirty="0">
-                <a:solidFill>
-                  <a:schemeClr val="bg1"/>
-                </a:solidFill>
-              </a:rPr>
-              <a:t>  요구된 </a:t>
-            </a:r>
-            <a:r>
-              <a:rPr kumimoji="1" lang="en-US" altLang="ko-KR" sz="1400" dirty="0">
-                <a:solidFill>
-                  <a:schemeClr val="bg1"/>
-                </a:solidFill>
-              </a:rPr>
-              <a:t>Query</a:t>
-            </a:r>
-            <a:r>
-              <a:rPr kumimoji="1" lang="ko-KR" altLang="en-US" sz="1400" dirty="0">
-                <a:solidFill>
-                  <a:schemeClr val="bg1"/>
-                </a:solidFill>
-              </a:rPr>
-              <a:t>들을 실행하여 적절히 값이 나오는지 확인한다</a:t>
-            </a:r>
-            <a:r>
-              <a:rPr kumimoji="1" lang="en-US" altLang="ko-KR" sz="1400" dirty="0">
-                <a:solidFill>
-                  <a:schemeClr val="bg1"/>
-                </a:solidFill>
-              </a:rPr>
-              <a:t>.</a:t>
-            </a:r>
-            <a:endParaRPr kumimoji="1" lang="ko-Kore-KR" altLang="en-US" sz="1400" dirty="0">
+            <a:pPr marL="285750" indent="-285750">
+              <a:buFontTx/>
+              <a:buChar char="-"/>
+            </a:pPr>
+            <a:r>
+              <a:rPr kumimoji="1" lang="ko-KR" altLang="en-US" dirty="0">
+                <a:solidFill>
+                  <a:schemeClr val="bg1"/>
+                </a:solidFill>
+              </a:rPr>
+              <a:t>영화제목을 입력하여</a:t>
+            </a:r>
+            <a:r>
+              <a:rPr kumimoji="1" lang="en-US" altLang="ko-KR" dirty="0">
+                <a:solidFill>
+                  <a:schemeClr val="bg1"/>
+                </a:solidFill>
+              </a:rPr>
+              <a:t>,</a:t>
+            </a:r>
+            <a:r>
+              <a:rPr kumimoji="1" lang="ko-KR" altLang="en-US" dirty="0">
+                <a:solidFill>
+                  <a:schemeClr val="bg1"/>
+                </a:solidFill>
+              </a:rPr>
+              <a:t> 이에 매칭되는 영화를 검색</a:t>
+            </a:r>
+            <a:endParaRPr kumimoji="1" lang="en-US" altLang="ko-KR" dirty="0">
               <a:solidFill>
                 <a:schemeClr val="bg1"/>
               </a:solidFill>
             </a:endParaRPr>
           </a:p>
           <a:p>
-            <a:endParaRPr kumimoji="1" lang="en-US" altLang="ko-KR" sz="1400" dirty="0">
+            <a:pPr marL="285750" indent="-285750">
+              <a:buFontTx/>
+              <a:buChar char="-"/>
+            </a:pPr>
+            <a:r>
+              <a:rPr kumimoji="1" lang="ko-KR" altLang="en-US" dirty="0">
+                <a:solidFill>
+                  <a:schemeClr val="bg1"/>
+                </a:solidFill>
+              </a:rPr>
+              <a:t>특정 배우가 등장하는 영화를 </a:t>
+            </a:r>
+            <a:r>
+              <a:rPr kumimoji="1" lang="ko-KR" altLang="en-US" dirty="0" err="1">
+                <a:solidFill>
+                  <a:schemeClr val="bg1"/>
+                </a:solidFill>
+              </a:rPr>
+              <a:t>별점이</a:t>
+            </a:r>
+            <a:r>
+              <a:rPr kumimoji="1" lang="ko-KR" altLang="en-US" dirty="0">
+                <a:solidFill>
+                  <a:schemeClr val="bg1"/>
+                </a:solidFill>
+              </a:rPr>
+              <a:t> 높은 순으로 검색</a:t>
+            </a:r>
+            <a:endParaRPr kumimoji="1" lang="en-US" altLang="ko-KR" dirty="0">
               <a:solidFill>
                 <a:schemeClr val="bg1"/>
               </a:solidFill>
             </a:endParaRPr>
           </a:p>
+          <a:p>
+            <a:pPr marL="285750" indent="-285750">
+              <a:buFontTx/>
+              <a:buChar char="-"/>
+            </a:pPr>
+            <a:r>
+              <a:rPr kumimoji="1" lang="ko-KR" altLang="en-US" dirty="0">
+                <a:solidFill>
+                  <a:schemeClr val="bg1"/>
+                </a:solidFill>
+              </a:rPr>
+              <a:t>특정 감독이 제작한 영화를 개봉연도순으로 검색</a:t>
+            </a:r>
+            <a:endParaRPr kumimoji="1" lang="en-US" altLang="ko-KR" dirty="0">
+              <a:solidFill>
+                <a:schemeClr val="bg1"/>
+              </a:solidFill>
+            </a:endParaRPr>
+          </a:p>
+          <a:p>
+            <a:pPr marL="285750" indent="-285750">
+              <a:buFontTx/>
+              <a:buChar char="-"/>
+            </a:pPr>
+            <a:r>
+              <a:rPr kumimoji="1" lang="en-US" altLang="ko-KR" dirty="0">
+                <a:solidFill>
+                  <a:schemeClr val="bg1"/>
+                </a:solidFill>
+              </a:rPr>
+              <a:t>Drama</a:t>
+            </a:r>
+            <a:r>
+              <a:rPr kumimoji="1" lang="ko-KR" altLang="en-US" dirty="0">
+                <a:solidFill>
+                  <a:schemeClr val="bg1"/>
+                </a:solidFill>
+              </a:rPr>
+              <a:t> 장르의 영화를 리뷰가 많은 순 또는 </a:t>
+            </a:r>
+            <a:r>
+              <a:rPr kumimoji="1" lang="ko-KR" altLang="en-US" dirty="0" err="1">
+                <a:solidFill>
+                  <a:schemeClr val="bg1"/>
+                </a:solidFill>
+              </a:rPr>
+              <a:t>별점이</a:t>
+            </a:r>
+            <a:r>
+              <a:rPr kumimoji="1" lang="ko-KR" altLang="en-US" dirty="0">
+                <a:solidFill>
+                  <a:schemeClr val="bg1"/>
+                </a:solidFill>
+              </a:rPr>
+              <a:t> </a:t>
+            </a:r>
+            <a:r>
+              <a:rPr kumimoji="1" lang="ko-KR" altLang="en-US" dirty="0" err="1">
+                <a:solidFill>
+                  <a:schemeClr val="bg1"/>
+                </a:solidFill>
+              </a:rPr>
+              <a:t>높은순으로</a:t>
+            </a:r>
+            <a:r>
+              <a:rPr kumimoji="1" lang="ko-KR" altLang="en-US" dirty="0">
+                <a:solidFill>
+                  <a:schemeClr val="bg1"/>
+                </a:solidFill>
+              </a:rPr>
+              <a:t> 검색</a:t>
+            </a:r>
+            <a:endParaRPr kumimoji="1" lang="en-US" altLang="ko-KR" dirty="0">
+              <a:solidFill>
+                <a:schemeClr val="bg1"/>
+              </a:solidFill>
+            </a:endParaRPr>
+          </a:p>
+          <a:p>
+            <a:pPr marL="285750" indent="-285750">
+              <a:buFontTx/>
+              <a:buChar char="-"/>
+            </a:pPr>
+            <a:r>
+              <a:rPr kumimoji="1" lang="ko-KR" altLang="en-US" dirty="0">
+                <a:solidFill>
+                  <a:schemeClr val="bg1"/>
+                </a:solidFill>
+              </a:rPr>
+              <a:t>특정 배우가 참여한</a:t>
+            </a:r>
+            <a:r>
+              <a:rPr kumimoji="1" lang="en-US" altLang="ko-KR" dirty="0">
+                <a:solidFill>
+                  <a:schemeClr val="bg1"/>
+                </a:solidFill>
+              </a:rPr>
+              <a:t> </a:t>
+            </a:r>
+            <a:r>
+              <a:rPr kumimoji="1" lang="ko-KR" altLang="en-US" dirty="0">
+                <a:solidFill>
+                  <a:schemeClr val="bg1"/>
+                </a:solidFill>
+              </a:rPr>
+              <a:t>역할에 따른 영화 수 </a:t>
+            </a:r>
+            <a:r>
+              <a:rPr kumimoji="1" lang="en-US" altLang="ko-KR" dirty="0">
+                <a:solidFill>
+                  <a:schemeClr val="bg1"/>
+                </a:solidFill>
+              </a:rPr>
+              <a:t>(count)</a:t>
+            </a:r>
+            <a:r>
+              <a:rPr kumimoji="1" lang="ko-KR" altLang="en-US" dirty="0">
+                <a:solidFill>
+                  <a:schemeClr val="bg1"/>
+                </a:solidFill>
+              </a:rPr>
+              <a:t> 검색</a:t>
+            </a:r>
+            <a:endParaRPr kumimoji="1" lang="en-US" altLang="ko-KR" dirty="0">
+              <a:solidFill>
+                <a:schemeClr val="bg1"/>
+              </a:solidFill>
+            </a:endParaRPr>
+          </a:p>
+          <a:p>
+            <a:pPr marL="285750" indent="-285750">
+              <a:buFontTx/>
+              <a:buChar char="-"/>
+            </a:pPr>
+            <a:r>
+              <a:rPr kumimoji="1" lang="ko-KR" altLang="en-US" dirty="0">
+                <a:solidFill>
+                  <a:schemeClr val="bg1"/>
+                </a:solidFill>
+              </a:rPr>
+              <a:t>특정 배우와 감독이 같이한 작품을 검색</a:t>
+            </a:r>
+            <a:endParaRPr kumimoji="1" lang="en-US" altLang="ko-KR" dirty="0">
+              <a:solidFill>
+                <a:schemeClr val="bg1"/>
+              </a:solidFill>
+            </a:endParaRPr>
+          </a:p>
+          <a:p>
+            <a:pPr marL="285750" indent="-285750">
+              <a:buFontTx/>
+              <a:buChar char="-"/>
+            </a:pPr>
+            <a:r>
+              <a:rPr kumimoji="1" lang="ko-KR" altLang="en-US" dirty="0">
+                <a:solidFill>
+                  <a:schemeClr val="bg1"/>
+                </a:solidFill>
+              </a:rPr>
+              <a:t>장르별 </a:t>
+            </a:r>
+            <a:r>
+              <a:rPr kumimoji="1" lang="en-US" altLang="ko-KR" dirty="0">
+                <a:solidFill>
+                  <a:schemeClr val="bg1"/>
+                </a:solidFill>
+              </a:rPr>
+              <a:t>IMDB</a:t>
+            </a:r>
+            <a:r>
+              <a:rPr kumimoji="1" lang="ko-KR" altLang="en-US" dirty="0">
+                <a:solidFill>
+                  <a:schemeClr val="bg1"/>
+                </a:solidFill>
+              </a:rPr>
+              <a:t> 데이터 영화 수</a:t>
+            </a:r>
+            <a:endParaRPr kumimoji="1" lang="en-US" altLang="ko-Kore-KR" dirty="0">
+              <a:solidFill>
+                <a:schemeClr val="bg1"/>
+              </a:solidFill>
+            </a:endParaRPr>
+          </a:p>
+          <a:p>
+            <a:pPr marL="285750" indent="-285750">
+              <a:buFontTx/>
+              <a:buChar char="-"/>
+            </a:pPr>
+            <a:r>
+              <a:rPr kumimoji="1" lang="en-US" altLang="ko-Kore-KR" dirty="0">
+                <a:solidFill>
+                  <a:schemeClr val="bg1"/>
+                </a:solidFill>
+              </a:rPr>
+              <a:t>Indexing</a:t>
+            </a:r>
+            <a:r>
+              <a:rPr kumimoji="1" lang="ko-Kore-KR" altLang="en-US" dirty="0">
+                <a:solidFill>
+                  <a:schemeClr val="bg1"/>
+                </a:solidFill>
+              </a:rPr>
+              <a:t>에</a:t>
+            </a:r>
+            <a:r>
+              <a:rPr kumimoji="1" lang="ko-KR" altLang="en-US" dirty="0">
+                <a:solidFill>
+                  <a:schemeClr val="bg1"/>
+                </a:solidFill>
+              </a:rPr>
+              <a:t> 따른 시간 차이 명시</a:t>
+            </a:r>
+            <a:endParaRPr kumimoji="1" lang="en-US" altLang="ko-KR" dirty="0">
+              <a:solidFill>
+                <a:schemeClr val="bg1"/>
+              </a:solidFill>
+            </a:endParaRPr>
+          </a:p>
+          <a:p>
+            <a:pPr marL="285750" indent="-285750">
+              <a:buFontTx/>
+              <a:buChar char="-"/>
+            </a:pPr>
+            <a:endParaRPr kumimoji="1" lang="ko-Kore-KR" altLang="en-US" dirty="0">
+              <a:solidFill>
+                <a:schemeClr val="bg1"/>
+              </a:solidFill>
+            </a:endParaRPr>
+          </a:p>
         </p:txBody>
       </p:sp>
       <p:pic>
         <p:nvPicPr>
-          <p:cNvPr id="3" name="그림 2" descr="텍스트, 점수판, 스크린샷이(가) 표시된 사진&#10;&#10;자동 생성된 설명">
-            <a:extLst>
-              <a:ext uri="{FF2B5EF4-FFF2-40B4-BE49-F238E27FC236}">
-                <a16:creationId xmlns:a16="http://schemas.microsoft.com/office/drawing/2014/main" id="{E586F537-8073-D644-900E-FB1C34127397}"/>
+          <p:cNvPr id="4" name="그림 3" descr="텍스트, 가장, 미소, 넥타이이(가) 표시된 사진&#10;&#10;자동 생성된 설명">
+            <a:extLst>
+              <a:ext uri="{FF2B5EF4-FFF2-40B4-BE49-F238E27FC236}">
+                <a16:creationId xmlns:a16="http://schemas.microsoft.com/office/drawing/2014/main" id="{238B34DD-D265-4C46-9F13-0406BE3DFB48}"/>
               </a:ext>
             </a:extLst>
           </p:cNvPr>
@@ -4967,8 +5210,8 @@
         </p:blipFill>
         <p:spPr>
           <a:xfrm>
-            <a:off x="686778" y="3431511"/>
-            <a:ext cx="3981726" cy="1209265"/>
+            <a:off x="870856" y="3516637"/>
+            <a:ext cx="2438400" cy="1841500"/>
           </a:xfrm>
           <a:prstGeom prst="rect">
             <a:avLst/>
@@ -4977,10 +5220,10 @@
       </p:pic>
       <p:pic>
         <p:nvPicPr>
-          <p:cNvPr id="6" name="그림 5">
-            <a:extLst>
-              <a:ext uri="{FF2B5EF4-FFF2-40B4-BE49-F238E27FC236}">
-                <a16:creationId xmlns:a16="http://schemas.microsoft.com/office/drawing/2014/main" id="{E63CE0F1-F22B-D140-BB4C-96BE6E7D0D82}"/>
+          <p:cNvPr id="8" name="그림 7" descr="텍스트, 가장, 표지판, 미소이(가) 표시된 사진&#10;&#10;자동 생성된 설명">
+            <a:extLst>
+              <a:ext uri="{FF2B5EF4-FFF2-40B4-BE49-F238E27FC236}">
+                <a16:creationId xmlns:a16="http://schemas.microsoft.com/office/drawing/2014/main" id="{0E05752C-AB0F-7E43-9BA5-D6163BB45717}"/>
               </a:ext>
             </a:extLst>
           </p:cNvPr>
@@ -5003,8 +5246,8 @@
         </p:blipFill>
         <p:spPr>
           <a:xfrm>
-            <a:off x="686778" y="1357086"/>
-            <a:ext cx="3496933" cy="1067766"/>
+            <a:off x="3765550" y="3516637"/>
+            <a:ext cx="2374900" cy="1790700"/>
           </a:xfrm>
           <a:prstGeom prst="rect">
             <a:avLst/>
@@ -5016,7 +5259,7 @@
           <p:cNvPr id="9" name="TextBox 8">
             <a:extLst>
               <a:ext uri="{FF2B5EF4-FFF2-40B4-BE49-F238E27FC236}">
-                <a16:creationId xmlns:a16="http://schemas.microsoft.com/office/drawing/2014/main" id="{2AB019A3-FF35-204C-9EE3-86F4F3C795C9}"/>
+                <a16:creationId xmlns:a16="http://schemas.microsoft.com/office/drawing/2014/main" id="{37B58024-3880-C643-96B8-C950AAB58927}"/>
               </a:ext>
             </a:extLst>
           </p:cNvPr>
@@ -5025,8 +5268,8 @@
         </p:nvSpPr>
         <p:spPr>
           <a:xfrm>
-            <a:off x="598817" y="2950812"/>
-            <a:ext cx="1915783" cy="369332"/>
+            <a:off x="1099457" y="5377543"/>
+            <a:ext cx="3352800" cy="369332"/>
           </a:xfrm>
           <a:prstGeom prst="rect">
             <a:avLst/>
@@ -5045,7 +5288,7 @@
                   <a:schemeClr val="bg1"/>
                 </a:solidFill>
               </a:rPr>
-              <a:t>실행결과</a:t>
+              <a:t>사용할 예시 배우와 감독</a:t>
             </a:r>
             <a:endParaRPr kumimoji="1" lang="ko-Kore-KR" altLang="en-US" dirty="0">
               <a:solidFill>
@@ -5058,7 +5301,7 @@
     </p:spTree>
     <p:extLst>
       <p:ext uri="{BB962C8B-B14F-4D97-AF65-F5344CB8AC3E}">
-        <p14:creationId xmlns:p14="http://schemas.microsoft.com/office/powerpoint/2010/main" val="3264359081"/>
+        <p14:creationId xmlns:p14="http://schemas.microsoft.com/office/powerpoint/2010/main" val="3011093271"/>
       </p:ext>
     </p:extLst>
   </p:cSld>
@@ -5177,12 +5420,120 @@
           </a:p>
         </p:txBody>
       </p:sp>
-      <p:sp>
-        <p:nvSpPr>
-          <p:cNvPr id="2" name="TextBox 1">
-            <a:extLst>
-              <a:ext uri="{FF2B5EF4-FFF2-40B4-BE49-F238E27FC236}">
-                <a16:creationId xmlns:a16="http://schemas.microsoft.com/office/drawing/2014/main" id="{739224EF-B324-DB40-BBF7-AC5224C6771C}"/>
+      <p:pic>
+        <p:nvPicPr>
+          <p:cNvPr id="3" name="그림 2">
+            <a:extLst>
+              <a:ext uri="{FF2B5EF4-FFF2-40B4-BE49-F238E27FC236}">
+                <a16:creationId xmlns:a16="http://schemas.microsoft.com/office/drawing/2014/main" id="{1977A307-BF5E-BA48-81B5-A795ADE24393}"/>
+              </a:ext>
+            </a:extLst>
+          </p:cNvPr>
+          <p:cNvPicPr>
+            <a:picLocks noChangeAspect="1"/>
+          </p:cNvPicPr>
+          <p:nvPr/>
+        </p:nvPicPr>
+        <p:blipFill>
+          <a:blip r:embed="rId3">
+            <a:extLst>
+              <a:ext uri="{28A0092B-C50C-407E-A947-70E740481C1C}">
+                <a14:useLocalDpi xmlns:a14="http://schemas.microsoft.com/office/drawing/2010/main" val="0"/>
+              </a:ext>
+            </a:extLst>
+          </a:blip>
+          <a:stretch>
+            <a:fillRect/>
+          </a:stretch>
+        </p:blipFill>
+        <p:spPr>
+          <a:xfrm>
+            <a:off x="101600" y="5693666"/>
+            <a:ext cx="9804400" cy="120648"/>
+          </a:xfrm>
+          <a:prstGeom prst="rect">
+            <a:avLst/>
+          </a:prstGeom>
+        </p:spPr>
+      </p:pic>
+      <p:pic>
+        <p:nvPicPr>
+          <p:cNvPr id="6" name="그림 5">
+            <a:extLst>
+              <a:ext uri="{FF2B5EF4-FFF2-40B4-BE49-F238E27FC236}">
+                <a16:creationId xmlns:a16="http://schemas.microsoft.com/office/drawing/2014/main" id="{7D4A8AAD-E4FD-184B-A4EB-1229C2346200}"/>
+              </a:ext>
+            </a:extLst>
+          </p:cNvPr>
+          <p:cNvPicPr>
+            <a:picLocks noChangeAspect="1"/>
+          </p:cNvPicPr>
+          <p:nvPr/>
+        </p:nvPicPr>
+        <p:blipFill>
+          <a:blip r:embed="rId4">
+            <a:extLst>
+              <a:ext uri="{28A0092B-C50C-407E-A947-70E740481C1C}">
+                <a14:useLocalDpi xmlns:a14="http://schemas.microsoft.com/office/drawing/2010/main" val="0"/>
+              </a:ext>
+            </a:extLst>
+          </a:blip>
+          <a:stretch>
+            <a:fillRect/>
+          </a:stretch>
+        </p:blipFill>
+        <p:spPr>
+          <a:xfrm>
+            <a:off x="350477" y="2286430"/>
+            <a:ext cx="7835478" cy="2773231"/>
+          </a:xfrm>
+          <a:prstGeom prst="rect">
+            <a:avLst/>
+          </a:prstGeom>
+        </p:spPr>
+      </p:pic>
+      <p:pic>
+        <p:nvPicPr>
+          <p:cNvPr id="19" name="그림 18" descr="텍스트, 탑재, 장치, 측정기이(가) 표시된 사진&#10;&#10;자동 생성된 설명">
+            <a:extLst>
+              <a:ext uri="{FF2B5EF4-FFF2-40B4-BE49-F238E27FC236}">
+                <a16:creationId xmlns:a16="http://schemas.microsoft.com/office/drawing/2014/main" id="{ECA3A732-D04E-CB47-A5F0-B1B93932AD7D}"/>
+              </a:ext>
+            </a:extLst>
+          </p:cNvPr>
+          <p:cNvPicPr>
+            <a:picLocks noChangeAspect="1"/>
+          </p:cNvPicPr>
+          <p:nvPr/>
+        </p:nvPicPr>
+        <p:blipFill>
+          <a:blip r:embed="rId5">
+            <a:extLst>
+              <a:ext uri="{28A0092B-C50C-407E-A947-70E740481C1C}">
+                <a14:useLocalDpi xmlns:a14="http://schemas.microsoft.com/office/drawing/2010/main" val="0"/>
+              </a:ext>
+            </a:extLst>
+          </a:blip>
+          <a:stretch>
+            <a:fillRect/>
+          </a:stretch>
+        </p:blipFill>
+        <p:spPr>
+          <a:xfrm>
+            <a:off x="411193" y="945309"/>
+            <a:ext cx="4460484" cy="1115121"/>
+          </a:xfrm>
+          <a:prstGeom prst="rect">
+            <a:avLst/>
+          </a:prstGeom>
+        </p:spPr>
+      </p:pic>
+      <p:sp>
+        <p:nvSpPr>
+          <p:cNvPr id="28" name="TextBox 27">
+            <a:extLst>
+              <a:ext uri="{FF2B5EF4-FFF2-40B4-BE49-F238E27FC236}">
+                <a16:creationId xmlns:a16="http://schemas.microsoft.com/office/drawing/2014/main" id="{B4A10F18-E70F-E04F-A25C-9AA1A3BBF067}"/>
               </a:ext>
             </a:extLst>
           </p:cNvPr>
@@ -5191,8 +5542,8 @@
         </p:nvSpPr>
         <p:spPr>
           <a:xfrm>
-            <a:off x="870856" y="1208313"/>
-            <a:ext cx="7195458" cy="2585323"/>
+            <a:off x="4463563" y="6338556"/>
+            <a:ext cx="7195458" cy="369332"/>
           </a:xfrm>
           <a:prstGeom prst="rect">
             <a:avLst/>
@@ -5239,392 +5590,12 @@
               </a:solidFill>
             </a:endParaRPr>
           </a:p>
-          <a:p>
-            <a:pPr marL="285750" indent="-285750">
-              <a:buFontTx/>
-              <a:buChar char="-"/>
-            </a:pPr>
-            <a:r>
-              <a:rPr kumimoji="1" lang="ko-KR" altLang="en-US" dirty="0">
-                <a:solidFill>
-                  <a:schemeClr val="bg1"/>
-                </a:solidFill>
-              </a:rPr>
-              <a:t>특정 배우가 등장하는 영화를 </a:t>
-            </a:r>
-            <a:r>
-              <a:rPr kumimoji="1" lang="ko-KR" altLang="en-US" dirty="0" err="1">
-                <a:solidFill>
-                  <a:schemeClr val="bg1"/>
-                </a:solidFill>
-              </a:rPr>
-              <a:t>별점이</a:t>
-            </a:r>
-            <a:r>
-              <a:rPr kumimoji="1" lang="ko-KR" altLang="en-US" dirty="0">
-                <a:solidFill>
-                  <a:schemeClr val="bg1"/>
-                </a:solidFill>
-              </a:rPr>
-              <a:t> 높은 순으로 검색</a:t>
-            </a:r>
-            <a:endParaRPr kumimoji="1" lang="en-US" altLang="ko-KR" dirty="0">
-              <a:solidFill>
-                <a:schemeClr val="bg1"/>
-              </a:solidFill>
-            </a:endParaRPr>
-          </a:p>
-          <a:p>
-            <a:pPr marL="285750" indent="-285750">
-              <a:buFontTx/>
-              <a:buChar char="-"/>
-            </a:pPr>
-            <a:r>
-              <a:rPr kumimoji="1" lang="ko-KR" altLang="en-US" dirty="0">
-                <a:solidFill>
-                  <a:schemeClr val="bg1"/>
-                </a:solidFill>
-              </a:rPr>
-              <a:t>특정 감독이 제작한 영화를 개봉연도순으로 검색</a:t>
-            </a:r>
-            <a:endParaRPr kumimoji="1" lang="en-US" altLang="ko-KR" dirty="0">
-              <a:solidFill>
-                <a:schemeClr val="bg1"/>
-              </a:solidFill>
-            </a:endParaRPr>
-          </a:p>
-          <a:p>
-            <a:pPr marL="285750" indent="-285750">
-              <a:buFontTx/>
-              <a:buChar char="-"/>
-            </a:pPr>
-            <a:r>
-              <a:rPr kumimoji="1" lang="en-US" altLang="ko-KR" dirty="0">
-                <a:solidFill>
-                  <a:schemeClr val="bg1"/>
-                </a:solidFill>
-              </a:rPr>
-              <a:t>Drama</a:t>
-            </a:r>
-            <a:r>
-              <a:rPr kumimoji="1" lang="ko-KR" altLang="en-US" dirty="0">
-                <a:solidFill>
-                  <a:schemeClr val="bg1"/>
-                </a:solidFill>
-              </a:rPr>
-              <a:t> 장르의 영화를 리뷰가 많은 순 또는 </a:t>
-            </a:r>
-            <a:r>
-              <a:rPr kumimoji="1" lang="ko-KR" altLang="en-US" dirty="0" err="1">
-                <a:solidFill>
-                  <a:schemeClr val="bg1"/>
-                </a:solidFill>
-              </a:rPr>
-              <a:t>별점이</a:t>
-            </a:r>
-            <a:r>
-              <a:rPr kumimoji="1" lang="ko-KR" altLang="en-US" dirty="0">
-                <a:solidFill>
-                  <a:schemeClr val="bg1"/>
-                </a:solidFill>
-              </a:rPr>
-              <a:t> </a:t>
-            </a:r>
-            <a:r>
-              <a:rPr kumimoji="1" lang="ko-KR" altLang="en-US" dirty="0" err="1">
-                <a:solidFill>
-                  <a:schemeClr val="bg1"/>
-                </a:solidFill>
-              </a:rPr>
-              <a:t>높은순으로</a:t>
-            </a:r>
-            <a:r>
-              <a:rPr kumimoji="1" lang="ko-KR" altLang="en-US" dirty="0">
-                <a:solidFill>
-                  <a:schemeClr val="bg1"/>
-                </a:solidFill>
-              </a:rPr>
-              <a:t> 검색</a:t>
-            </a:r>
-            <a:endParaRPr kumimoji="1" lang="en-US" altLang="ko-KR" dirty="0">
-              <a:solidFill>
-                <a:schemeClr val="bg1"/>
-              </a:solidFill>
-            </a:endParaRPr>
-          </a:p>
-          <a:p>
-            <a:pPr marL="285750" indent="-285750">
-              <a:buFontTx/>
-              <a:buChar char="-"/>
-            </a:pPr>
-            <a:r>
-              <a:rPr kumimoji="1" lang="ko-KR" altLang="en-US" dirty="0">
-                <a:solidFill>
-                  <a:schemeClr val="bg1"/>
-                </a:solidFill>
-              </a:rPr>
-              <a:t>특정 배우가 참여한</a:t>
-            </a:r>
-            <a:r>
-              <a:rPr kumimoji="1" lang="en-US" altLang="ko-KR" dirty="0">
-                <a:solidFill>
-                  <a:schemeClr val="bg1"/>
-                </a:solidFill>
-              </a:rPr>
-              <a:t> </a:t>
-            </a:r>
-            <a:r>
-              <a:rPr kumimoji="1" lang="ko-KR" altLang="en-US" dirty="0">
-                <a:solidFill>
-                  <a:schemeClr val="bg1"/>
-                </a:solidFill>
-              </a:rPr>
-              <a:t>역할에 따른 영화 수 </a:t>
-            </a:r>
-            <a:r>
-              <a:rPr kumimoji="1" lang="en-US" altLang="ko-KR" dirty="0">
-                <a:solidFill>
-                  <a:schemeClr val="bg1"/>
-                </a:solidFill>
-              </a:rPr>
-              <a:t>(count)</a:t>
-            </a:r>
-            <a:r>
-              <a:rPr kumimoji="1" lang="ko-KR" altLang="en-US" dirty="0">
-                <a:solidFill>
-                  <a:schemeClr val="bg1"/>
-                </a:solidFill>
-              </a:rPr>
-              <a:t> 검색</a:t>
-            </a:r>
-            <a:endParaRPr kumimoji="1" lang="en-US" altLang="ko-KR" dirty="0">
-              <a:solidFill>
-                <a:schemeClr val="bg1"/>
-              </a:solidFill>
-            </a:endParaRPr>
-          </a:p>
-          <a:p>
-            <a:pPr marL="285750" indent="-285750">
-              <a:buFontTx/>
-              <a:buChar char="-"/>
-            </a:pPr>
-            <a:r>
-              <a:rPr kumimoji="1" lang="ko-KR" altLang="en-US" dirty="0">
-                <a:solidFill>
-                  <a:schemeClr val="bg1"/>
-                </a:solidFill>
-              </a:rPr>
-              <a:t>특정 배우와 감독이 같이한 작품을 검색</a:t>
-            </a:r>
-            <a:endParaRPr kumimoji="1" lang="en-US" altLang="ko-KR" dirty="0">
-              <a:solidFill>
-                <a:schemeClr val="bg1"/>
-              </a:solidFill>
-            </a:endParaRPr>
-          </a:p>
-          <a:p>
-            <a:pPr marL="285750" indent="-285750">
-              <a:buFontTx/>
-              <a:buChar char="-"/>
-            </a:pPr>
-            <a:r>
-              <a:rPr kumimoji="1" lang="ko-KR" altLang="en-US" dirty="0">
-                <a:solidFill>
-                  <a:schemeClr val="bg1"/>
-                </a:solidFill>
-              </a:rPr>
-              <a:t>장르별 </a:t>
-            </a:r>
-            <a:r>
-              <a:rPr kumimoji="1" lang="en-US" altLang="ko-KR" dirty="0">
-                <a:solidFill>
-                  <a:schemeClr val="bg1"/>
-                </a:solidFill>
-              </a:rPr>
-              <a:t>IMDB</a:t>
-            </a:r>
-            <a:r>
-              <a:rPr kumimoji="1" lang="ko-KR" altLang="en-US" dirty="0">
-                <a:solidFill>
-                  <a:schemeClr val="bg1"/>
-                </a:solidFill>
-              </a:rPr>
-              <a:t> 데이터 영화 수</a:t>
-            </a:r>
-            <a:endParaRPr kumimoji="1" lang="en-US" altLang="ko-Kore-KR" dirty="0">
-              <a:solidFill>
-                <a:schemeClr val="bg1"/>
-              </a:solidFill>
-            </a:endParaRPr>
-          </a:p>
-          <a:p>
-            <a:pPr marL="285750" indent="-285750">
-              <a:buFontTx/>
-              <a:buChar char="-"/>
-            </a:pPr>
-            <a:r>
-              <a:rPr kumimoji="1" lang="en-US" altLang="ko-Kore-KR" dirty="0">
-                <a:solidFill>
-                  <a:schemeClr val="bg1"/>
-                </a:solidFill>
-              </a:rPr>
-              <a:t>Indexing</a:t>
-            </a:r>
-            <a:r>
-              <a:rPr kumimoji="1" lang="ko-Kore-KR" altLang="en-US" dirty="0">
-                <a:solidFill>
-                  <a:schemeClr val="bg1"/>
-                </a:solidFill>
-              </a:rPr>
-              <a:t>에</a:t>
-            </a:r>
-            <a:r>
-              <a:rPr kumimoji="1" lang="ko-KR" altLang="en-US" dirty="0">
-                <a:solidFill>
-                  <a:schemeClr val="bg1"/>
-                </a:solidFill>
-              </a:rPr>
-              <a:t> 따른 시간 차이 명시</a:t>
-            </a:r>
-            <a:endParaRPr kumimoji="1" lang="en-US" altLang="ko-KR" dirty="0">
-              <a:solidFill>
-                <a:schemeClr val="bg1"/>
-              </a:solidFill>
-            </a:endParaRPr>
-          </a:p>
-          <a:p>
-            <a:pPr marL="285750" indent="-285750">
-              <a:buFontTx/>
-              <a:buChar char="-"/>
-            </a:pPr>
-            <a:endParaRPr kumimoji="1" lang="ko-Kore-KR" altLang="en-US" dirty="0">
-              <a:solidFill>
-                <a:schemeClr val="bg1"/>
-              </a:solidFill>
-            </a:endParaRPr>
-          </a:p>
-        </p:txBody>
-      </p:sp>
-      <p:pic>
-        <p:nvPicPr>
-          <p:cNvPr id="4" name="그림 3" descr="텍스트, 가장, 미소, 넥타이이(가) 표시된 사진&#10;&#10;자동 생성된 설명">
-            <a:extLst>
-              <a:ext uri="{FF2B5EF4-FFF2-40B4-BE49-F238E27FC236}">
-                <a16:creationId xmlns:a16="http://schemas.microsoft.com/office/drawing/2014/main" id="{238B34DD-D265-4C46-9F13-0406BE3DFB48}"/>
-              </a:ext>
-            </a:extLst>
-          </p:cNvPr>
-          <p:cNvPicPr>
-            <a:picLocks noChangeAspect="1"/>
-          </p:cNvPicPr>
-          <p:nvPr/>
-        </p:nvPicPr>
-        <p:blipFill>
-          <a:blip r:embed="rId3">
-            <a:extLst>
-              <a:ext uri="{28A0092B-C50C-407E-A947-70E740481C1C}">
-                <a14:useLocalDpi xmlns:a14="http://schemas.microsoft.com/office/drawing/2010/main" val="0"/>
-              </a:ext>
-            </a:extLst>
-          </a:blip>
-          <a:stretch>
-            <a:fillRect/>
-          </a:stretch>
-        </p:blipFill>
-        <p:spPr>
-          <a:xfrm>
-            <a:off x="870856" y="3516637"/>
-            <a:ext cx="2438400" cy="1841500"/>
-          </a:xfrm>
-          <a:prstGeom prst="rect">
-            <a:avLst/>
-          </a:prstGeom>
-        </p:spPr>
-      </p:pic>
-      <p:pic>
-        <p:nvPicPr>
-          <p:cNvPr id="8" name="그림 7" descr="텍스트, 가장, 표지판, 미소이(가) 표시된 사진&#10;&#10;자동 생성된 설명">
-            <a:extLst>
-              <a:ext uri="{FF2B5EF4-FFF2-40B4-BE49-F238E27FC236}">
-                <a16:creationId xmlns:a16="http://schemas.microsoft.com/office/drawing/2014/main" id="{0E05752C-AB0F-7E43-9BA5-D6163BB45717}"/>
-              </a:ext>
-            </a:extLst>
-          </p:cNvPr>
-          <p:cNvPicPr>
-            <a:picLocks noChangeAspect="1"/>
-          </p:cNvPicPr>
-          <p:nvPr/>
-        </p:nvPicPr>
-        <p:blipFill>
-          <a:blip r:embed="rId4">
-            <a:extLst>
-              <a:ext uri="{28A0092B-C50C-407E-A947-70E740481C1C}">
-                <a14:useLocalDpi xmlns:a14="http://schemas.microsoft.com/office/drawing/2010/main" val="0"/>
-              </a:ext>
-            </a:extLst>
-          </a:blip>
-          <a:stretch>
-            <a:fillRect/>
-          </a:stretch>
-        </p:blipFill>
-        <p:spPr>
-          <a:xfrm>
-            <a:off x="3765550" y="3516637"/>
-            <a:ext cx="2374900" cy="1790700"/>
-          </a:xfrm>
-          <a:prstGeom prst="rect">
-            <a:avLst/>
-          </a:prstGeom>
-        </p:spPr>
-      </p:pic>
-      <p:sp>
-        <p:nvSpPr>
-          <p:cNvPr id="9" name="TextBox 8">
-            <a:extLst>
-              <a:ext uri="{FF2B5EF4-FFF2-40B4-BE49-F238E27FC236}">
-                <a16:creationId xmlns:a16="http://schemas.microsoft.com/office/drawing/2014/main" id="{37B58024-3880-C643-96B8-C950AAB58927}"/>
-              </a:ext>
-            </a:extLst>
-          </p:cNvPr>
-          <p:cNvSpPr txBox="1"/>
-          <p:nvPr/>
-        </p:nvSpPr>
-        <p:spPr>
-          <a:xfrm>
-            <a:off x="1099457" y="5377543"/>
-            <a:ext cx="3352800" cy="369332"/>
-          </a:xfrm>
-          <a:prstGeom prst="rect">
-            <a:avLst/>
-          </a:prstGeom>
-          <a:noFill/>
-        </p:spPr>
-        <p:txBody>
-          <a:bodyPr wrap="square" rtlCol="0">
-            <a:spAutoFit/>
-          </a:bodyPr>
-          <a:lstStyle/>
-          <a:p>
-            <a:r>
-              <a:rPr kumimoji="1" lang="ko-KR" altLang="en-US" dirty="0">
-                <a:solidFill>
-                  <a:schemeClr val="bg1"/>
-                </a:solidFill>
-              </a:rPr>
-              <a:t>사용할 예시 배우와 감독</a:t>
-            </a:r>
-            <a:endParaRPr kumimoji="1" lang="ko-Kore-KR" altLang="en-US" dirty="0">
-              <a:solidFill>
-                <a:schemeClr val="bg1"/>
-              </a:solidFill>
-            </a:endParaRPr>
-          </a:p>
         </p:txBody>
       </p:sp>
     </p:spTree>
     <p:extLst>
       <p:ext uri="{BB962C8B-B14F-4D97-AF65-F5344CB8AC3E}">
-        <p14:creationId xmlns:p14="http://schemas.microsoft.com/office/powerpoint/2010/main" val="3011093271"/>
+        <p14:creationId xmlns:p14="http://schemas.microsoft.com/office/powerpoint/2010/main" val="705469780"/>
       </p:ext>
     </p:extLst>
   </p:cSld>
@@ -5745,10 +5716,10 @@
       </p:sp>
       <p:pic>
         <p:nvPicPr>
-          <p:cNvPr id="3" name="그림 2">
-            <a:extLst>
-              <a:ext uri="{FF2B5EF4-FFF2-40B4-BE49-F238E27FC236}">
-                <a16:creationId xmlns:a16="http://schemas.microsoft.com/office/drawing/2014/main" id="{1977A307-BF5E-BA48-81B5-A795ADE24393}"/>
+          <p:cNvPr id="4" name="그림 3" descr="텍스트이(가) 표시된 사진&#10;&#10;자동 생성된 설명">
+            <a:extLst>
+              <a:ext uri="{FF2B5EF4-FFF2-40B4-BE49-F238E27FC236}">
+                <a16:creationId xmlns:a16="http://schemas.microsoft.com/office/drawing/2014/main" id="{A09F1590-E836-F949-B240-2D82F1FADB14}"/>
               </a:ext>
             </a:extLst>
           </p:cNvPr>
@@ -5771,8 +5742,8 @@
         </p:blipFill>
         <p:spPr>
           <a:xfrm>
-            <a:off x="101600" y="5693666"/>
-            <a:ext cx="9804400" cy="120648"/>
+            <a:off x="101600" y="908377"/>
+            <a:ext cx="9283700" cy="2820011"/>
           </a:xfrm>
           <a:prstGeom prst="rect">
             <a:avLst/>
@@ -5781,10 +5752,10 @@
       </p:pic>
       <p:pic>
         <p:nvPicPr>
-          <p:cNvPr id="6" name="그림 5">
-            <a:extLst>
-              <a:ext uri="{FF2B5EF4-FFF2-40B4-BE49-F238E27FC236}">
-                <a16:creationId xmlns:a16="http://schemas.microsoft.com/office/drawing/2014/main" id="{7D4A8AAD-E4FD-184B-A4EB-1229C2346200}"/>
+          <p:cNvPr id="11" name="그림 10">
+            <a:extLst>
+              <a:ext uri="{FF2B5EF4-FFF2-40B4-BE49-F238E27FC236}">
+                <a16:creationId xmlns:a16="http://schemas.microsoft.com/office/drawing/2014/main" id="{55BFC498-49BB-3449-8B91-1DEC697BD32A}"/>
               </a:ext>
             </a:extLst>
           </p:cNvPr>
@@ -5807,56 +5778,20 @@
         </p:blipFill>
         <p:spPr>
           <a:xfrm>
-            <a:off x="350477" y="2286430"/>
-            <a:ext cx="7835478" cy="2773231"/>
+            <a:off x="50800" y="4377502"/>
+            <a:ext cx="9804400" cy="159101"/>
           </a:xfrm>
           <a:prstGeom prst="rect">
             <a:avLst/>
           </a:prstGeom>
         </p:spPr>
       </p:pic>
-      <p:pic>
-        <p:nvPicPr>
-          <p:cNvPr id="19" name="그림 18" descr="텍스트, 탑재, 장치, 측정기이(가) 표시된 사진&#10;&#10;자동 생성된 설명">
-            <a:extLst>
-              <a:ext uri="{FF2B5EF4-FFF2-40B4-BE49-F238E27FC236}">
-                <a16:creationId xmlns:a16="http://schemas.microsoft.com/office/drawing/2014/main" id="{ECA3A732-D04E-CB47-A5F0-B1B93932AD7D}"/>
-              </a:ext>
-            </a:extLst>
-          </p:cNvPr>
-          <p:cNvPicPr>
-            <a:picLocks noChangeAspect="1"/>
-          </p:cNvPicPr>
-          <p:nvPr/>
-        </p:nvPicPr>
-        <p:blipFill>
-          <a:blip r:embed="rId5">
-            <a:extLst>
-              <a:ext uri="{28A0092B-C50C-407E-A947-70E740481C1C}">
-                <a14:useLocalDpi xmlns:a14="http://schemas.microsoft.com/office/drawing/2010/main" val="0"/>
-              </a:ext>
-            </a:extLst>
-          </a:blip>
-          <a:stretch>
-            <a:fillRect/>
-          </a:stretch>
-        </p:blipFill>
-        <p:spPr>
-          <a:xfrm>
-            <a:off x="411193" y="945309"/>
-            <a:ext cx="4460484" cy="1115121"/>
-          </a:xfrm>
-          <a:prstGeom prst="rect">
-            <a:avLst/>
-          </a:prstGeom>
-        </p:spPr>
-      </p:pic>
-      <p:sp>
-        <p:nvSpPr>
-          <p:cNvPr id="28" name="TextBox 27">
-            <a:extLst>
-              <a:ext uri="{FF2B5EF4-FFF2-40B4-BE49-F238E27FC236}">
-                <a16:creationId xmlns:a16="http://schemas.microsoft.com/office/drawing/2014/main" id="{B4A10F18-E70F-E04F-A25C-9AA1A3BBF067}"/>
+      <p:sp>
+        <p:nvSpPr>
+          <p:cNvPr id="14" name="TextBox 13">
+            <a:extLst>
+              <a:ext uri="{FF2B5EF4-FFF2-40B4-BE49-F238E27FC236}">
+                <a16:creationId xmlns:a16="http://schemas.microsoft.com/office/drawing/2014/main" id="{A252828E-5C70-9049-83DC-4E168281EB61}"/>
               </a:ext>
             </a:extLst>
           </p:cNvPr>
@@ -5865,7 +5800,7 @@
         </p:nvSpPr>
         <p:spPr>
           <a:xfrm>
-            <a:off x="4463563" y="6338556"/>
+            <a:off x="3702546" y="6234564"/>
             <a:ext cx="7195458" cy="369332"/>
           </a:xfrm>
           <a:prstGeom prst="rect">
@@ -5889,15 +5824,15 @@
                   <a:schemeClr val="bg1"/>
                 </a:solidFill>
               </a:rPr>
-              <a:t>영화제목을 입력하여</a:t>
-            </a:r>
-            <a:r>
-              <a:rPr kumimoji="1" lang="en-US" altLang="ko-KR" dirty="0">
-                <a:solidFill>
-                  <a:schemeClr val="bg1"/>
-                </a:solidFill>
-              </a:rPr>
-              <a:t>,</a:t>
+              <a:t>특정 배우가 등장하는 영화를 </a:t>
+            </a:r>
+            <a:r>
+              <a:rPr kumimoji="1" lang="ko-KR" altLang="en-US" dirty="0" err="1">
+                <a:solidFill>
+                  <a:schemeClr val="bg1"/>
+                </a:solidFill>
+              </a:rPr>
+              <a:t>별점이</a:t>
             </a:r>
             <a:r>
               <a:rPr kumimoji="1" lang="ko-KR" altLang="en-US" dirty="0">
@@ -5905,7 +5840,7 @@
                   <a:schemeClr val="bg1"/>
                 </a:solidFill>
               </a:rPr>
-              <a:t> 이에 매칭되는 영화를 검색</a:t>
+              <a:t> 높은 순으로 검색</a:t>
             </a:r>
             <a:endParaRPr kumimoji="1" lang="en-US" altLang="ko-KR" dirty="0">
               <a:solidFill>
@@ -5918,7 +5853,7 @@
     </p:spTree>
     <p:extLst>
       <p:ext uri="{BB962C8B-B14F-4D97-AF65-F5344CB8AC3E}">
-        <p14:creationId xmlns:p14="http://schemas.microsoft.com/office/powerpoint/2010/main" val="705469780"/>
+        <p14:creationId xmlns:p14="http://schemas.microsoft.com/office/powerpoint/2010/main" val="2624226290"/>
       </p:ext>
     </p:extLst>
   </p:cSld>
@@ -5959,90 +5894,12 @@
           <a:chExt cx="0" cy="0"/>
         </a:xfrm>
       </p:grpSpPr>
-      <p:cxnSp>
-        <p:nvCxnSpPr>
-          <p:cNvPr id="5" name="직선 연결선 4"/>
-          <p:cNvCxnSpPr/>
-          <p:nvPr/>
-        </p:nvCxnSpPr>
-        <p:spPr>
-          <a:xfrm>
-            <a:off x="411193" y="526207"/>
-            <a:ext cx="187624" cy="0"/>
-          </a:xfrm>
-          <a:prstGeom prst="line">
-            <a:avLst/>
-          </a:prstGeom>
-          <a:ln w="38100">
-            <a:solidFill>
-              <a:schemeClr val="accent5">
-                <a:lumMod val="75000"/>
-              </a:schemeClr>
-            </a:solidFill>
-          </a:ln>
-        </p:spPr>
-        <p:style>
-          <a:lnRef idx="1">
-            <a:schemeClr val="accent1"/>
-          </a:lnRef>
-          <a:fillRef idx="0">
-            <a:schemeClr val="accent1"/>
-          </a:fillRef>
-          <a:effectRef idx="0">
-            <a:schemeClr val="accent1"/>
-          </a:effectRef>
-          <a:fontRef idx="minor">
-            <a:schemeClr val="tx1"/>
-          </a:fontRef>
-        </p:style>
-      </p:cxnSp>
-      <p:sp>
-        <p:nvSpPr>
-          <p:cNvPr id="7" name="직사각형 6"/>
-          <p:cNvSpPr/>
-          <p:nvPr/>
-        </p:nvSpPr>
-        <p:spPr>
-          <a:xfrm>
-            <a:off x="686778" y="334778"/>
-            <a:ext cx="4790993" cy="400110"/>
-          </a:xfrm>
-          <a:prstGeom prst="rect">
-            <a:avLst/>
-          </a:prstGeom>
-        </p:spPr>
-        <p:txBody>
-          <a:bodyPr vert="horz" wrap="square">
-            <a:spAutoFit/>
-          </a:bodyPr>
-          <a:lstStyle/>
-          <a:p>
-            <a:r>
-              <a:rPr lang="ko-KR" altLang="en-US" sz="2000" dirty="0">
-                <a:solidFill>
-                  <a:schemeClr val="bg1"/>
-                </a:solidFill>
-                <a:latin typeface="아리따-돋움(TTF)-Bold" panose="02020603020101020101" pitchFamily="18" charset="-127"/>
-                <a:ea typeface="아리따-돋움(TTF)-Bold" panose="02020603020101020101" pitchFamily="18" charset="-127"/>
-              </a:rPr>
-              <a:t>코드 실행</a:t>
-            </a:r>
-            <a:endParaRPr lang="en-US" altLang="ko-KR" sz="2000" dirty="0">
-              <a:solidFill>
-                <a:schemeClr val="bg1"/>
-              </a:solidFill>
-              <a:latin typeface="아리따-돋움(TTF)-Bold" panose="02020603020101020101" pitchFamily="18" charset="-127"/>
-              <a:ea typeface="아리따-돋움(TTF)-Bold" panose="02020603020101020101" pitchFamily="18" charset="-127"/>
-            </a:endParaRPr>
-          </a:p>
-        </p:txBody>
-      </p:sp>
       <p:pic>
         <p:nvPicPr>
-          <p:cNvPr id="4" name="그림 3" descr="텍스트이(가) 표시된 사진&#10;&#10;자동 생성된 설명">
-            <a:extLst>
-              <a:ext uri="{FF2B5EF4-FFF2-40B4-BE49-F238E27FC236}">
-                <a16:creationId xmlns:a16="http://schemas.microsoft.com/office/drawing/2014/main" id="{A09F1590-E836-F949-B240-2D82F1FADB14}"/>
+          <p:cNvPr id="8" name="그림 7">
+            <a:extLst>
+              <a:ext uri="{FF2B5EF4-FFF2-40B4-BE49-F238E27FC236}">
+                <a16:creationId xmlns:a16="http://schemas.microsoft.com/office/drawing/2014/main" id="{94912A0C-16C5-8341-93BC-8B6B543B936B}"/>
               </a:ext>
             </a:extLst>
           </p:cNvPr>
@@ -6065,56 +5922,20 @@
         </p:blipFill>
         <p:spPr>
           <a:xfrm>
-            <a:off x="101600" y="908377"/>
-            <a:ext cx="9283700" cy="2820011"/>
+            <a:off x="169385" y="173168"/>
+            <a:ext cx="8538064" cy="5820950"/>
           </a:xfrm>
           <a:prstGeom prst="rect">
             <a:avLst/>
           </a:prstGeom>
         </p:spPr>
       </p:pic>
-      <p:pic>
-        <p:nvPicPr>
-          <p:cNvPr id="11" name="그림 10">
-            <a:extLst>
-              <a:ext uri="{FF2B5EF4-FFF2-40B4-BE49-F238E27FC236}">
-                <a16:creationId xmlns:a16="http://schemas.microsoft.com/office/drawing/2014/main" id="{55BFC498-49BB-3449-8B91-1DEC697BD32A}"/>
-              </a:ext>
-            </a:extLst>
-          </p:cNvPr>
-          <p:cNvPicPr>
-            <a:picLocks noChangeAspect="1"/>
-          </p:cNvPicPr>
-          <p:nvPr/>
-        </p:nvPicPr>
-        <p:blipFill>
-          <a:blip r:embed="rId4">
-            <a:extLst>
-              <a:ext uri="{28A0092B-C50C-407E-A947-70E740481C1C}">
-                <a14:useLocalDpi xmlns:a14="http://schemas.microsoft.com/office/drawing/2010/main" val="0"/>
-              </a:ext>
-            </a:extLst>
-          </a:blip>
-          <a:stretch>
-            <a:fillRect/>
-          </a:stretch>
-        </p:blipFill>
-        <p:spPr>
-          <a:xfrm>
-            <a:off x="50800" y="4377502"/>
-            <a:ext cx="9804400" cy="159101"/>
-          </a:xfrm>
-          <a:prstGeom prst="rect">
-            <a:avLst/>
-          </a:prstGeom>
-        </p:spPr>
-      </p:pic>
-      <p:sp>
-        <p:nvSpPr>
-          <p:cNvPr id="14" name="TextBox 13">
-            <a:extLst>
-              <a:ext uri="{FF2B5EF4-FFF2-40B4-BE49-F238E27FC236}">
-                <a16:creationId xmlns:a16="http://schemas.microsoft.com/office/drawing/2014/main" id="{A252828E-5C70-9049-83DC-4E168281EB61}"/>
+      <p:sp>
+        <p:nvSpPr>
+          <p:cNvPr id="9" name="TextBox 8">
+            <a:extLst>
+              <a:ext uri="{FF2B5EF4-FFF2-40B4-BE49-F238E27FC236}">
+                <a16:creationId xmlns:a16="http://schemas.microsoft.com/office/drawing/2014/main" id="{F502E274-AE56-924E-BC81-94EB92F0EC5C}"/>
               </a:ext>
             </a:extLst>
           </p:cNvPr>
@@ -6176,7 +5997,7 @@
     </p:spTree>
     <p:extLst>
       <p:ext uri="{BB962C8B-B14F-4D97-AF65-F5344CB8AC3E}">
-        <p14:creationId xmlns:p14="http://schemas.microsoft.com/office/powerpoint/2010/main" val="2624226290"/>
+        <p14:creationId xmlns:p14="http://schemas.microsoft.com/office/powerpoint/2010/main" val="2199850101"/>
       </p:ext>
     </p:extLst>
   </p:cSld>
@@ -6217,12 +6038,137 @@
           <a:chExt cx="0" cy="0"/>
         </a:xfrm>
       </p:grpSpPr>
+      <p:cxnSp>
+        <p:nvCxnSpPr>
+          <p:cNvPr id="5" name="직선 연결선 4"/>
+          <p:cNvCxnSpPr/>
+          <p:nvPr/>
+        </p:nvCxnSpPr>
+        <p:spPr>
+          <a:xfrm>
+            <a:off x="411193" y="526207"/>
+            <a:ext cx="187624" cy="0"/>
+          </a:xfrm>
+          <a:prstGeom prst="line">
+            <a:avLst/>
+          </a:prstGeom>
+          <a:ln w="38100">
+            <a:solidFill>
+              <a:schemeClr val="accent5">
+                <a:lumMod val="75000"/>
+              </a:schemeClr>
+            </a:solidFill>
+          </a:ln>
+        </p:spPr>
+        <p:style>
+          <a:lnRef idx="1">
+            <a:schemeClr val="accent1"/>
+          </a:lnRef>
+          <a:fillRef idx="0">
+            <a:schemeClr val="accent1"/>
+          </a:fillRef>
+          <a:effectRef idx="0">
+            <a:schemeClr val="accent1"/>
+          </a:effectRef>
+          <a:fontRef idx="minor">
+            <a:schemeClr val="tx1"/>
+          </a:fontRef>
+        </p:style>
+      </p:cxnSp>
+      <p:sp>
+        <p:nvSpPr>
+          <p:cNvPr id="7" name="직사각형 6"/>
+          <p:cNvSpPr/>
+          <p:nvPr/>
+        </p:nvSpPr>
+        <p:spPr>
+          <a:xfrm>
+            <a:off x="686778" y="334778"/>
+            <a:ext cx="4790993" cy="400110"/>
+          </a:xfrm>
+          <a:prstGeom prst="rect">
+            <a:avLst/>
+          </a:prstGeom>
+        </p:spPr>
+        <p:txBody>
+          <a:bodyPr vert="horz" wrap="square">
+            <a:spAutoFit/>
+          </a:bodyPr>
+          <a:lstStyle/>
+          <a:p>
+            <a:r>
+              <a:rPr lang="ko-KR" altLang="en-US" sz="2000" dirty="0">
+                <a:solidFill>
+                  <a:schemeClr val="bg1"/>
+                </a:solidFill>
+                <a:latin typeface="아리따-돋움(TTF)-Bold" panose="02020603020101020101" pitchFamily="18" charset="-127"/>
+                <a:ea typeface="아리따-돋움(TTF)-Bold" panose="02020603020101020101" pitchFamily="18" charset="-127"/>
+              </a:rPr>
+              <a:t>코드 실행</a:t>
+            </a:r>
+            <a:endParaRPr lang="en-US" altLang="ko-KR" sz="2000" dirty="0">
+              <a:solidFill>
+                <a:schemeClr val="bg1"/>
+              </a:solidFill>
+              <a:latin typeface="아리따-돋움(TTF)-Bold" panose="02020603020101020101" pitchFamily="18" charset="-127"/>
+              <a:ea typeface="아리따-돋움(TTF)-Bold" panose="02020603020101020101" pitchFamily="18" charset="-127"/>
+            </a:endParaRPr>
+          </a:p>
+        </p:txBody>
+      </p:sp>
+      <p:sp>
+        <p:nvSpPr>
+          <p:cNvPr id="20" name="TextBox 19">
+            <a:extLst>
+              <a:ext uri="{FF2B5EF4-FFF2-40B4-BE49-F238E27FC236}">
+                <a16:creationId xmlns:a16="http://schemas.microsoft.com/office/drawing/2014/main" id="{6127261C-C2AB-1A4C-919C-3AB06F923872}"/>
+              </a:ext>
+            </a:extLst>
+          </p:cNvPr>
+          <p:cNvSpPr txBox="1"/>
+          <p:nvPr/>
+        </p:nvSpPr>
+        <p:spPr>
+          <a:xfrm>
+            <a:off x="8315057" y="5266638"/>
+            <a:ext cx="1255776" cy="369332"/>
+          </a:xfrm>
+          <a:prstGeom prst="rect">
+            <a:avLst/>
+          </a:prstGeom>
+          <a:noFill/>
+        </p:spPr>
+        <p:txBody>
+          <a:bodyPr wrap="square" rtlCol="0">
+            <a:spAutoFit/>
+          </a:bodyPr>
+          <a:lstStyle/>
+          <a:p>
+            <a:r>
+              <a:rPr kumimoji="1" lang="en-US" altLang="ko-Kore-KR" dirty="0">
+                <a:solidFill>
+                  <a:schemeClr val="bg1"/>
+                </a:solidFill>
+              </a:rPr>
+              <a:t>Indexing </a:t>
+            </a:r>
+            <a:r>
+              <a:rPr kumimoji="1" lang="ko-Kore-KR" altLang="en-US" dirty="0">
+                <a:solidFill>
+                  <a:schemeClr val="bg1"/>
+                </a:solidFill>
+              </a:rPr>
+              <a:t>전</a:t>
+            </a:r>
+          </a:p>
+        </p:txBody>
+      </p:sp>
       <p:pic>
         <p:nvPicPr>
-          <p:cNvPr id="8" name="그림 7">
-            <a:extLst>
-              <a:ext uri="{FF2B5EF4-FFF2-40B4-BE49-F238E27FC236}">
-                <a16:creationId xmlns:a16="http://schemas.microsoft.com/office/drawing/2014/main" id="{94912A0C-16C5-8341-93BC-8B6B543B936B}"/>
+          <p:cNvPr id="4" name="그림 3" descr="텍스트이(가) 표시된 사진&#10;&#10;자동 생성된 설명">
+            <a:extLst>
+              <a:ext uri="{FF2B5EF4-FFF2-40B4-BE49-F238E27FC236}">
+                <a16:creationId xmlns:a16="http://schemas.microsoft.com/office/drawing/2014/main" id="{B3548296-8BC7-D744-BA53-FFFA8A855F17}"/>
               </a:ext>
             </a:extLst>
           </p:cNvPr>
@@ -6245,38 +6191,109 @@
         </p:blipFill>
         <p:spPr>
           <a:xfrm>
-            <a:off x="169385" y="173168"/>
-            <a:ext cx="8538064" cy="5820950"/>
+            <a:off x="196677" y="734888"/>
+            <a:ext cx="8978900" cy="2006600"/>
           </a:xfrm>
           <a:prstGeom prst="rect">
             <a:avLst/>
           </a:prstGeom>
         </p:spPr>
       </p:pic>
-      <p:sp>
-        <p:nvSpPr>
-          <p:cNvPr id="9" name="TextBox 8">
-            <a:extLst>
-              <a:ext uri="{FF2B5EF4-FFF2-40B4-BE49-F238E27FC236}">
-                <a16:creationId xmlns:a16="http://schemas.microsoft.com/office/drawing/2014/main" id="{F502E274-AE56-924E-BC81-94EB92F0EC5C}"/>
-              </a:ext>
-            </a:extLst>
-          </p:cNvPr>
-          <p:cNvSpPr txBox="1"/>
-          <p:nvPr/>
-        </p:nvSpPr>
-        <p:spPr>
-          <a:xfrm>
-            <a:off x="3702546" y="6234564"/>
-            <a:ext cx="7195458" cy="369332"/>
+      <p:pic>
+        <p:nvPicPr>
+          <p:cNvPr id="9" name="그림 8">
+            <a:extLst>
+              <a:ext uri="{FF2B5EF4-FFF2-40B4-BE49-F238E27FC236}">
+                <a16:creationId xmlns:a16="http://schemas.microsoft.com/office/drawing/2014/main" id="{3AFB4225-AA45-CD48-8F71-C19443525C43}"/>
+              </a:ext>
+            </a:extLst>
+          </p:cNvPr>
+          <p:cNvPicPr>
+            <a:picLocks noChangeAspect="1"/>
+          </p:cNvPicPr>
+          <p:nvPr/>
+        </p:nvPicPr>
+        <p:blipFill>
+          <a:blip r:embed="rId4">
+            <a:extLst>
+              <a:ext uri="{28A0092B-C50C-407E-A947-70E740481C1C}">
+                <a14:useLocalDpi xmlns:a14="http://schemas.microsoft.com/office/drawing/2010/main" val="0"/>
+              </a:ext>
+            </a:extLst>
+          </a:blip>
+          <a:stretch>
+            <a:fillRect/>
+          </a:stretch>
+        </p:blipFill>
+        <p:spPr>
+          <a:xfrm>
+            <a:off x="1485613" y="2872555"/>
+            <a:ext cx="5334690" cy="2401468"/>
           </a:xfrm>
           <a:prstGeom prst="rect">
             <a:avLst/>
           </a:prstGeom>
-          <a:noFill/>
-        </p:spPr>
-        <p:txBody>
-          <a:bodyPr wrap="square" rtlCol="0">
+        </p:spPr>
+      </p:pic>
+      <p:pic>
+        <p:nvPicPr>
+          <p:cNvPr id="11" name="그림 10">
+            <a:extLst>
+              <a:ext uri="{FF2B5EF4-FFF2-40B4-BE49-F238E27FC236}">
+                <a16:creationId xmlns:a16="http://schemas.microsoft.com/office/drawing/2014/main" id="{27A5B7E8-064E-7346-AF75-5FDE8CE5F941}"/>
+              </a:ext>
+            </a:extLst>
+          </p:cNvPr>
+          <p:cNvPicPr>
+            <a:picLocks noChangeAspect="1"/>
+          </p:cNvPicPr>
+          <p:nvPr/>
+        </p:nvPicPr>
+        <p:blipFill>
+          <a:blip r:embed="rId5">
+            <a:extLst>
+              <a:ext uri="{28A0092B-C50C-407E-A947-70E740481C1C}">
+                <a14:useLocalDpi xmlns:a14="http://schemas.microsoft.com/office/drawing/2010/main" val="0"/>
+              </a:ext>
+            </a:extLst>
+          </a:blip>
+          <a:stretch>
+            <a:fillRect/>
+          </a:stretch>
+        </p:blipFill>
+        <p:spPr>
+          <a:xfrm>
+            <a:off x="50800" y="6221219"/>
+            <a:ext cx="9804400" cy="88900"/>
+          </a:xfrm>
+          <a:prstGeom prst="rect">
+            <a:avLst/>
+          </a:prstGeom>
+        </p:spPr>
+      </p:pic>
+      <p:sp>
+        <p:nvSpPr>
+          <p:cNvPr id="12" name="직사각형 11">
+            <a:extLst>
+              <a:ext uri="{FF2B5EF4-FFF2-40B4-BE49-F238E27FC236}">
+                <a16:creationId xmlns:a16="http://schemas.microsoft.com/office/drawing/2014/main" id="{26D80A13-FCF9-394B-8929-878CE0D03B03}"/>
+              </a:ext>
+            </a:extLst>
+          </p:cNvPr>
+          <p:cNvSpPr/>
+          <p:nvPr/>
+        </p:nvSpPr>
+        <p:spPr>
+          <a:xfrm>
+            <a:off x="4210910" y="6282394"/>
+            <a:ext cx="5359923" cy="369332"/>
+          </a:xfrm>
+          <a:prstGeom prst="rect">
+            <a:avLst/>
+          </a:prstGeom>
+        </p:spPr>
+        <p:txBody>
+          <a:bodyPr wrap="square">
             <a:spAutoFit/>
           </a:bodyPr>
           <a:lstStyle/>
@@ -6291,23 +6308,7 @@
                   <a:schemeClr val="bg1"/>
                 </a:solidFill>
               </a:rPr>
-              <a:t>특정 배우가 등장하는 영화를 </a:t>
-            </a:r>
-            <a:r>
-              <a:rPr kumimoji="1" lang="ko-KR" altLang="en-US" dirty="0" err="1">
-                <a:solidFill>
-                  <a:schemeClr val="bg1"/>
-                </a:solidFill>
-              </a:rPr>
-              <a:t>별점이</a:t>
-            </a:r>
-            <a:r>
-              <a:rPr kumimoji="1" lang="ko-KR" altLang="en-US" dirty="0">
-                <a:solidFill>
-                  <a:schemeClr val="bg1"/>
-                </a:solidFill>
-              </a:rPr>
-              <a:t> 높은 순으로 검색</a:t>
+              <a:t>특정 감독이 제작한 영화를 개봉연도순으로 검색</a:t>
             </a:r>
             <a:endParaRPr kumimoji="1" lang="en-US" altLang="ko-KR" dirty="0">
               <a:solidFill>
@@ -6317,10 +6318,109 @@
           </a:p>
         </p:txBody>
       </p:sp>
+      <p:pic>
+        <p:nvPicPr>
+          <p:cNvPr id="21" name="그림 20">
+            <a:extLst>
+              <a:ext uri="{FF2B5EF4-FFF2-40B4-BE49-F238E27FC236}">
+                <a16:creationId xmlns:a16="http://schemas.microsoft.com/office/drawing/2014/main" id="{D5FF6C4E-81CC-DF49-B5A0-F5043E50F6BF}"/>
+              </a:ext>
+            </a:extLst>
+          </p:cNvPr>
+          <p:cNvPicPr>
+            <a:picLocks noChangeAspect="1"/>
+          </p:cNvPicPr>
+          <p:nvPr/>
+        </p:nvPicPr>
+        <p:blipFill>
+          <a:blip r:embed="rId6">
+            <a:extLst>
+              <a:ext uri="{28A0092B-C50C-407E-A947-70E740481C1C}">
+                <a14:useLocalDpi xmlns:a14="http://schemas.microsoft.com/office/drawing/2010/main" val="0"/>
+              </a:ext>
+            </a:extLst>
+          </a:blip>
+          <a:stretch>
+            <a:fillRect/>
+          </a:stretch>
+        </p:blipFill>
+        <p:spPr>
+          <a:xfrm>
+            <a:off x="50800" y="5662113"/>
+            <a:ext cx="9906000" cy="98567"/>
+          </a:xfrm>
+          <a:prstGeom prst="rect">
+            <a:avLst/>
+          </a:prstGeom>
+        </p:spPr>
+      </p:pic>
+      <p:sp>
+        <p:nvSpPr>
+          <p:cNvPr id="22" name="TextBox 21">
+            <a:extLst>
+              <a:ext uri="{FF2B5EF4-FFF2-40B4-BE49-F238E27FC236}">
+                <a16:creationId xmlns:a16="http://schemas.microsoft.com/office/drawing/2014/main" id="{3213DF83-CC34-274F-9CAC-1F29FDDE2B20}"/>
+              </a:ext>
+            </a:extLst>
+          </p:cNvPr>
+          <p:cNvSpPr txBox="1"/>
+          <p:nvPr/>
+        </p:nvSpPr>
+        <p:spPr>
+          <a:xfrm>
+            <a:off x="7144119" y="5755140"/>
+            <a:ext cx="2426714" cy="369332"/>
+          </a:xfrm>
+          <a:prstGeom prst="rect">
+            <a:avLst/>
+          </a:prstGeom>
+          <a:noFill/>
+        </p:spPr>
+        <p:txBody>
+          <a:bodyPr wrap="square" rtlCol="0">
+            <a:spAutoFit/>
+          </a:bodyPr>
+          <a:lstStyle/>
+          <a:p>
+            <a:r>
+              <a:rPr kumimoji="1" lang="en-US" altLang="ko-Kore-KR" dirty="0" err="1">
+                <a:solidFill>
+                  <a:schemeClr val="bg1"/>
+                </a:solidFill>
+              </a:rPr>
+              <a:t>startYear</a:t>
+            </a:r>
+            <a:r>
+              <a:rPr kumimoji="1" lang="ko-KR" altLang="en-US" dirty="0">
+                <a:solidFill>
+                  <a:schemeClr val="bg1"/>
+                </a:solidFill>
+              </a:rPr>
+              <a:t>에</a:t>
+            </a:r>
+            <a:r>
+              <a:rPr kumimoji="1" lang="en-US" altLang="ko-Kore-KR" dirty="0">
+                <a:solidFill>
+                  <a:schemeClr val="bg1"/>
+                </a:solidFill>
+              </a:rPr>
+              <a:t>Indexing </a:t>
+            </a:r>
+            <a:r>
+              <a:rPr kumimoji="1" lang="ko-Kore-KR" altLang="en-US" dirty="0">
+                <a:solidFill>
+                  <a:schemeClr val="bg1"/>
+                </a:solidFill>
+              </a:rPr>
+              <a:t>후</a:t>
+            </a:r>
+          </a:p>
+        </p:txBody>
+      </p:sp>
     </p:spTree>
     <p:extLst>
       <p:ext uri="{BB962C8B-B14F-4D97-AF65-F5344CB8AC3E}">
-        <p14:creationId xmlns:p14="http://schemas.microsoft.com/office/powerpoint/2010/main" val="2199850101"/>
+        <p14:creationId xmlns:p14="http://schemas.microsoft.com/office/powerpoint/2010/main" val="1588003491"/>
       </p:ext>
     </p:extLst>
   </p:cSld>
@@ -6441,57 +6541,97 @@
       </p:sp>
       <p:sp>
         <p:nvSpPr>
-          <p:cNvPr id="20" name="TextBox 19">
-            <a:extLst>
-              <a:ext uri="{FF2B5EF4-FFF2-40B4-BE49-F238E27FC236}">
-                <a16:creationId xmlns:a16="http://schemas.microsoft.com/office/drawing/2014/main" id="{6127261C-C2AB-1A4C-919C-3AB06F923872}"/>
-              </a:ext>
-            </a:extLst>
-          </p:cNvPr>
-          <p:cNvSpPr txBox="1"/>
-          <p:nvPr/>
-        </p:nvSpPr>
-        <p:spPr>
-          <a:xfrm>
-            <a:off x="8315057" y="5266638"/>
-            <a:ext cx="1255776" cy="369332"/>
+          <p:cNvPr id="2" name="직사각형 1">
+            <a:extLst>
+              <a:ext uri="{FF2B5EF4-FFF2-40B4-BE49-F238E27FC236}">
+                <a16:creationId xmlns:a16="http://schemas.microsoft.com/office/drawing/2014/main" id="{9105D7B7-8174-DE49-ACFF-0E780EF99F34}"/>
+              </a:ext>
+            </a:extLst>
+          </p:cNvPr>
+          <p:cNvSpPr/>
+          <p:nvPr/>
+        </p:nvSpPr>
+        <p:spPr>
+          <a:xfrm>
+            <a:off x="2784249" y="6338556"/>
+            <a:ext cx="7121751" cy="369332"/>
           </a:xfrm>
           <a:prstGeom prst="rect">
             <a:avLst/>
           </a:prstGeom>
-          <a:noFill/>
-        </p:spPr>
-        <p:txBody>
-          <a:bodyPr wrap="square" rtlCol="0">
+        </p:spPr>
+        <p:txBody>
+          <a:bodyPr wrap="square">
             <a:spAutoFit/>
           </a:bodyPr>
           <a:lstStyle/>
           <a:p>
-            <a:r>
-              <a:rPr kumimoji="1" lang="en-US" altLang="ko-Kore-KR" dirty="0">
-                <a:solidFill>
-                  <a:schemeClr val="bg1"/>
-                </a:solidFill>
-              </a:rPr>
-              <a:t>Indexing </a:t>
-            </a:r>
-            <a:r>
-              <a:rPr kumimoji="1" lang="ko-Kore-KR" altLang="en-US" dirty="0">
-                <a:solidFill>
-                  <a:schemeClr val="bg1"/>
-                </a:solidFill>
-              </a:rPr>
-              <a:t>전</a:t>
-            </a:r>
+            <a:pPr marL="285750" indent="-285750">
+              <a:buFontTx/>
+              <a:buChar char="-"/>
+            </a:pPr>
+            <a:r>
+              <a:rPr kumimoji="1" lang="en-US" altLang="ko-KR" dirty="0">
+                <a:solidFill>
+                  <a:schemeClr val="bg1"/>
+                </a:solidFill>
+              </a:rPr>
+              <a:t>Drama</a:t>
+            </a:r>
+            <a:r>
+              <a:rPr kumimoji="1" lang="ko-KR" altLang="en-US" dirty="0">
+                <a:solidFill>
+                  <a:schemeClr val="bg1"/>
+                </a:solidFill>
+              </a:rPr>
+              <a:t> 장르의 영화를 리뷰가 많은 순 또는 </a:t>
+            </a:r>
+            <a:r>
+              <a:rPr kumimoji="1" lang="ko-KR" altLang="en-US" dirty="0" err="1">
+                <a:solidFill>
+                  <a:schemeClr val="bg1"/>
+                </a:solidFill>
+              </a:rPr>
+              <a:t>별점이</a:t>
+            </a:r>
+            <a:r>
+              <a:rPr kumimoji="1" lang="ko-KR" altLang="en-US" dirty="0">
+                <a:solidFill>
+                  <a:schemeClr val="bg1"/>
+                </a:solidFill>
+              </a:rPr>
+              <a:t> </a:t>
+            </a:r>
+            <a:r>
+              <a:rPr kumimoji="1" lang="ko-KR" altLang="en-US" dirty="0" err="1">
+                <a:solidFill>
+                  <a:schemeClr val="bg1"/>
+                </a:solidFill>
+              </a:rPr>
+              <a:t>높은순으로</a:t>
+            </a:r>
+            <a:r>
+              <a:rPr kumimoji="1" lang="ko-KR" altLang="en-US" dirty="0">
+                <a:solidFill>
+                  <a:schemeClr val="bg1"/>
+                </a:solidFill>
+              </a:rPr>
+              <a:t> 검색</a:t>
+            </a:r>
+            <a:endParaRPr kumimoji="1" lang="en-US" altLang="ko-KR" dirty="0">
+              <a:solidFill>
+                <a:schemeClr val="bg1"/>
+              </a:solidFill>
+            </a:endParaRPr>
           </a:p>
         </p:txBody>
       </p:sp>
       <p:pic>
         <p:nvPicPr>
-          <p:cNvPr id="4" name="그림 3" descr="텍스트이(가) 표시된 사진&#10;&#10;자동 생성된 설명">
-            <a:extLst>
-              <a:ext uri="{FF2B5EF4-FFF2-40B4-BE49-F238E27FC236}">
-                <a16:creationId xmlns:a16="http://schemas.microsoft.com/office/drawing/2014/main" id="{B3548296-8BC7-D744-BA53-FFFA8A855F17}"/>
+          <p:cNvPr id="8" name="그림 7" descr="텍스트이(가) 표시된 사진&#10;&#10;자동 생성된 설명">
+            <a:extLst>
+              <a:ext uri="{FF2B5EF4-FFF2-40B4-BE49-F238E27FC236}">
+                <a16:creationId xmlns:a16="http://schemas.microsoft.com/office/drawing/2014/main" id="{5B7D9355-DCEC-3141-9FEA-12B7ED4F99DE}"/>
               </a:ext>
             </a:extLst>
           </p:cNvPr>
@@ -6514,8 +6654,8 @@
         </p:blipFill>
         <p:spPr>
           <a:xfrm>
-            <a:off x="196677" y="734888"/>
-            <a:ext cx="8978900" cy="2006600"/>
+            <a:off x="505005" y="704110"/>
+            <a:ext cx="6007100" cy="2298700"/>
           </a:xfrm>
           <a:prstGeom prst="rect">
             <a:avLst/>
@@ -6524,10 +6664,10 @@
       </p:pic>
       <p:pic>
         <p:nvPicPr>
-          <p:cNvPr id="9" name="그림 8">
-            <a:extLst>
-              <a:ext uri="{FF2B5EF4-FFF2-40B4-BE49-F238E27FC236}">
-                <a16:creationId xmlns:a16="http://schemas.microsoft.com/office/drawing/2014/main" id="{3AFB4225-AA45-CD48-8F71-C19443525C43}"/>
+          <p:cNvPr id="10" name="그림 9">
+            <a:extLst>
+              <a:ext uri="{FF2B5EF4-FFF2-40B4-BE49-F238E27FC236}">
+                <a16:creationId xmlns:a16="http://schemas.microsoft.com/office/drawing/2014/main" id="{FC95D65B-B9FB-CE46-B014-E056DAEE12E4}"/>
               </a:ext>
             </a:extLst>
           </p:cNvPr>
@@ -6550,8 +6690,8 @@
         </p:blipFill>
         <p:spPr>
           <a:xfrm>
-            <a:off x="1485613" y="2872555"/>
-            <a:ext cx="5334690" cy="2401468"/>
+            <a:off x="597867" y="3002810"/>
+            <a:ext cx="4968813" cy="3178250"/>
           </a:xfrm>
           <a:prstGeom prst="rect">
             <a:avLst/>
@@ -6560,10 +6700,10 @@
       </p:pic>
       <p:pic>
         <p:nvPicPr>
-          <p:cNvPr id="11" name="그림 10">
-            <a:extLst>
-              <a:ext uri="{FF2B5EF4-FFF2-40B4-BE49-F238E27FC236}">
-                <a16:creationId xmlns:a16="http://schemas.microsoft.com/office/drawing/2014/main" id="{27A5B7E8-064E-7346-AF75-5FDE8CE5F941}"/>
+          <p:cNvPr id="15" name="그림 14">
+            <a:extLst>
+              <a:ext uri="{FF2B5EF4-FFF2-40B4-BE49-F238E27FC236}">
+                <a16:creationId xmlns:a16="http://schemas.microsoft.com/office/drawing/2014/main" id="{2E187EE8-720B-5745-8B3E-FDEAD05CAD02}"/>
               </a:ext>
             </a:extLst>
           </p:cNvPr>
@@ -6586,164 +6726,18 @@
         </p:blipFill>
         <p:spPr>
           <a:xfrm>
-            <a:off x="50800" y="6221219"/>
-            <a:ext cx="9804400" cy="88900"/>
+            <a:off x="44450" y="6262356"/>
+            <a:ext cx="9817100" cy="76200"/>
           </a:xfrm>
           <a:prstGeom prst="rect">
             <a:avLst/>
           </a:prstGeom>
         </p:spPr>
       </p:pic>
-      <p:sp>
-        <p:nvSpPr>
-          <p:cNvPr id="12" name="직사각형 11">
-            <a:extLst>
-              <a:ext uri="{FF2B5EF4-FFF2-40B4-BE49-F238E27FC236}">
-                <a16:creationId xmlns:a16="http://schemas.microsoft.com/office/drawing/2014/main" id="{26D80A13-FCF9-394B-8929-878CE0D03B03}"/>
-              </a:ext>
-            </a:extLst>
-          </p:cNvPr>
-          <p:cNvSpPr/>
-          <p:nvPr/>
-        </p:nvSpPr>
-        <p:spPr>
-          <a:xfrm>
-            <a:off x="4210910" y="6282394"/>
-            <a:ext cx="5359923" cy="369332"/>
-          </a:xfrm>
-          <a:prstGeom prst="rect">
-            <a:avLst/>
-          </a:prstGeom>
-        </p:spPr>
-        <p:txBody>
-          <a:bodyPr wrap="square">
-            <a:spAutoFit/>
-          </a:bodyPr>
-          <a:lstStyle/>
-          <a:p>
-            <a:pPr marL="285750" indent="-285750">
-              <a:buFontTx/>
-              <a:buChar char="-"/>
-            </a:pPr>
-            <a:r>
-              <a:rPr kumimoji="1" lang="ko-KR" altLang="en-US" dirty="0">
-                <a:solidFill>
-                  <a:schemeClr val="bg1"/>
-                </a:solidFill>
-              </a:rPr>
-              <a:t>특정 감독이 제작한 영화를 개봉연도순으로 검색</a:t>
-            </a:r>
-            <a:endParaRPr kumimoji="1" lang="en-US" altLang="ko-KR" dirty="0">
-              <a:solidFill>
-                <a:schemeClr val="bg1"/>
-              </a:solidFill>
-            </a:endParaRPr>
-          </a:p>
-        </p:txBody>
-      </p:sp>
-      <p:pic>
-        <p:nvPicPr>
-          <p:cNvPr id="21" name="그림 20">
-            <a:extLst>
-              <a:ext uri="{FF2B5EF4-FFF2-40B4-BE49-F238E27FC236}">
-                <a16:creationId xmlns:a16="http://schemas.microsoft.com/office/drawing/2014/main" id="{D5FF6C4E-81CC-DF49-B5A0-F5043E50F6BF}"/>
-              </a:ext>
-            </a:extLst>
-          </p:cNvPr>
-          <p:cNvPicPr>
-            <a:picLocks noChangeAspect="1"/>
-          </p:cNvPicPr>
-          <p:nvPr/>
-        </p:nvPicPr>
-        <p:blipFill>
-          <a:blip r:embed="rId6">
-            <a:extLst>
-              <a:ext uri="{28A0092B-C50C-407E-A947-70E740481C1C}">
-                <a14:useLocalDpi xmlns:a14="http://schemas.microsoft.com/office/drawing/2010/main" val="0"/>
-              </a:ext>
-            </a:extLst>
-          </a:blip>
-          <a:stretch>
-            <a:fillRect/>
-          </a:stretch>
-        </p:blipFill>
-        <p:spPr>
-          <a:xfrm>
-            <a:off x="50800" y="5662113"/>
-            <a:ext cx="9906000" cy="98567"/>
-          </a:xfrm>
-          <a:prstGeom prst="rect">
-            <a:avLst/>
-          </a:prstGeom>
-        </p:spPr>
-      </p:pic>
-      <p:sp>
-        <p:nvSpPr>
-          <p:cNvPr id="22" name="TextBox 21">
-            <a:extLst>
-              <a:ext uri="{FF2B5EF4-FFF2-40B4-BE49-F238E27FC236}">
-                <a16:creationId xmlns:a16="http://schemas.microsoft.com/office/drawing/2014/main" id="{3213DF83-CC34-274F-9CAC-1F29FDDE2B20}"/>
-              </a:ext>
-            </a:extLst>
-          </p:cNvPr>
-          <p:cNvSpPr txBox="1"/>
-          <p:nvPr/>
-        </p:nvSpPr>
-        <p:spPr>
-          <a:xfrm>
-            <a:off x="7144119" y="5755140"/>
-            <a:ext cx="2426714" cy="369332"/>
-          </a:xfrm>
-          <a:prstGeom prst="rect">
-            <a:avLst/>
-          </a:prstGeom>
-          <a:noFill/>
-        </p:spPr>
-        <p:txBody>
-          <a:bodyPr wrap="square" rtlCol="0">
-            <a:spAutoFit/>
-          </a:bodyPr>
-          <a:lstStyle/>
-          <a:p>
-            <a:r>
-              <a:rPr kumimoji="1" lang="en-US" altLang="ko-Kore-KR" dirty="0" err="1">
-                <a:solidFill>
-                  <a:schemeClr val="bg1"/>
-                </a:solidFill>
-              </a:rPr>
-              <a:t>startYear</a:t>
-            </a:r>
-            <a:r>
-              <a:rPr kumimoji="1" lang="ko-KR" altLang="en-US" dirty="0">
-                <a:solidFill>
-                  <a:schemeClr val="bg1"/>
-                </a:solidFill>
-              </a:rPr>
-              <a:t>에</a:t>
-            </a:r>
-            <a:r>
-              <a:rPr kumimoji="1" lang="en-US" altLang="ko-Kore-KR" dirty="0">
-                <a:solidFill>
-                  <a:schemeClr val="bg1"/>
-                </a:solidFill>
-              </a:rPr>
-              <a:t>Indexing </a:t>
-            </a:r>
-            <a:r>
-              <a:rPr kumimoji="1" lang="ko-Kore-KR" altLang="en-US" dirty="0">
-                <a:solidFill>
-                  <a:schemeClr val="bg1"/>
-                </a:solidFill>
-              </a:rPr>
-              <a:t>후</a:t>
-            </a:r>
-          </a:p>
-        </p:txBody>
-      </p:sp>
     </p:spTree>
     <p:extLst>
       <p:ext uri="{BB962C8B-B14F-4D97-AF65-F5344CB8AC3E}">
-        <p14:creationId xmlns:p14="http://schemas.microsoft.com/office/powerpoint/2010/main" val="1588003491"/>
+        <p14:creationId xmlns:p14="http://schemas.microsoft.com/office/powerpoint/2010/main" val="2001946930"/>
       </p:ext>
     </p:extLst>
   </p:cSld>
@@ -6876,8 +6870,8 @@
         </p:nvSpPr>
         <p:spPr>
           <a:xfrm>
-            <a:off x="2784249" y="6338556"/>
-            <a:ext cx="7121751" cy="369332"/>
+            <a:off x="4153883" y="6416602"/>
+            <a:ext cx="5752117" cy="369332"/>
           </a:xfrm>
           <a:prstGeom prst="rect">
             <a:avLst/>
@@ -6894,12 +6888,20 @@
               <a:buChar char="-"/>
             </a:pPr>
             <a:r>
+              <a:rPr kumimoji="1" lang="ko-KR" altLang="en-US" dirty="0">
+                <a:solidFill>
+                  <a:schemeClr val="bg1"/>
+                </a:solidFill>
+              </a:rPr>
+              <a:t>특정 배우가 참여한</a:t>
+            </a:r>
+            <a:r>
               <a:rPr kumimoji="1" lang="en-US" altLang="ko-KR" dirty="0">
                 <a:solidFill>
                   <a:schemeClr val="bg1"/>
                 </a:solidFill>
               </a:rPr>
-              <a:t>Drama</a:t>
+              <a:t> </a:t>
             </a:r>
             <a:r>
               <a:rPr kumimoji="1" lang="ko-KR" altLang="en-US" dirty="0">
@@ -6907,31 +6909,15 @@
                   <a:schemeClr val="bg1"/>
                 </a:solidFill>
               </a:rPr>
-              <a:t> 장르의 영화를 리뷰가 많은 순 또는 </a:t>
-            </a:r>
-            <a:r>
-              <a:rPr kumimoji="1" lang="ko-KR" altLang="en-US" dirty="0" err="1">
-                <a:solidFill>
-                  <a:schemeClr val="bg1"/>
-                </a:solidFill>
-              </a:rPr>
-              <a:t>별점이</a:t>
-            </a:r>
-            <a:r>
-              <a:rPr kumimoji="1" lang="ko-KR" altLang="en-US" dirty="0">
-                <a:solidFill>
-                  <a:schemeClr val="bg1"/>
-                </a:solidFill>
-              </a:rPr>
-              <a:t> </a:t>
-            </a:r>
-            <a:r>
-              <a:rPr kumimoji="1" lang="ko-KR" altLang="en-US" dirty="0" err="1">
-                <a:solidFill>
-                  <a:schemeClr val="bg1"/>
-                </a:solidFill>
-              </a:rPr>
-              <a:t>높은순으로</a:t>
+              <a:t>역할에 따른 영화 수 </a:t>
+            </a:r>
+            <a:r>
+              <a:rPr kumimoji="1" lang="en-US" altLang="ko-KR" dirty="0">
+                <a:solidFill>
+                  <a:schemeClr val="bg1"/>
+                </a:solidFill>
+              </a:rPr>
+              <a:t>(count)</a:t>
             </a:r>
             <a:r>
               <a:rPr kumimoji="1" lang="ko-KR" altLang="en-US" dirty="0">
@@ -6951,10 +6937,10 @@
       </p:sp>
       <p:pic>
         <p:nvPicPr>
-          <p:cNvPr id="8" name="그림 7" descr="텍스트이(가) 표시된 사진&#10;&#10;자동 생성된 설명">
-            <a:extLst>
-              <a:ext uri="{FF2B5EF4-FFF2-40B4-BE49-F238E27FC236}">
-                <a16:creationId xmlns:a16="http://schemas.microsoft.com/office/drawing/2014/main" id="{5B7D9355-DCEC-3141-9FEA-12B7ED4F99DE}"/>
+          <p:cNvPr id="4" name="그림 3">
+            <a:extLst>
+              <a:ext uri="{FF2B5EF4-FFF2-40B4-BE49-F238E27FC236}">
+                <a16:creationId xmlns:a16="http://schemas.microsoft.com/office/drawing/2014/main" id="{812C734F-8D1A-9E49-8C5D-7ABF7384533C}"/>
               </a:ext>
             </a:extLst>
           </p:cNvPr>
@@ -6977,8 +6963,8 @@
         </p:blipFill>
         <p:spPr>
           <a:xfrm>
-            <a:off x="505005" y="704110"/>
-            <a:ext cx="6007100" cy="2298700"/>
+            <a:off x="0" y="2832020"/>
+            <a:ext cx="9906000" cy="123209"/>
           </a:xfrm>
           <a:prstGeom prst="rect">
             <a:avLst/>
@@ -6987,10 +6973,10 @@
       </p:pic>
       <p:pic>
         <p:nvPicPr>
-          <p:cNvPr id="10" name="그림 9">
-            <a:extLst>
-              <a:ext uri="{FF2B5EF4-FFF2-40B4-BE49-F238E27FC236}">
-                <a16:creationId xmlns:a16="http://schemas.microsoft.com/office/drawing/2014/main" id="{FC95D65B-B9FB-CE46-B014-E056DAEE12E4}"/>
+          <p:cNvPr id="9" name="그림 8" descr="테이블이(가) 표시된 사진&#10;&#10;자동 생성된 설명">
+            <a:extLst>
+              <a:ext uri="{FF2B5EF4-FFF2-40B4-BE49-F238E27FC236}">
+                <a16:creationId xmlns:a16="http://schemas.microsoft.com/office/drawing/2014/main" id="{9F4D6993-CD37-9C4A-BF46-AE1367CB2C24}"/>
               </a:ext>
             </a:extLst>
           </p:cNvPr>
@@ -7013,8 +6999,8 @@
         </p:blipFill>
         <p:spPr>
           <a:xfrm>
-            <a:off x="597867" y="3002810"/>
-            <a:ext cx="4968813" cy="3178250"/>
+            <a:off x="1234440" y="1660100"/>
+            <a:ext cx="1219200" cy="825500"/>
           </a:xfrm>
           <a:prstGeom prst="rect">
             <a:avLst/>
@@ -7023,10 +7009,10 @@
       </p:pic>
       <p:pic>
         <p:nvPicPr>
-          <p:cNvPr id="15" name="그림 14">
-            <a:extLst>
-              <a:ext uri="{FF2B5EF4-FFF2-40B4-BE49-F238E27FC236}">
-                <a16:creationId xmlns:a16="http://schemas.microsoft.com/office/drawing/2014/main" id="{2E187EE8-720B-5745-8B3E-FDEAD05CAD02}"/>
+          <p:cNvPr id="12" name="그림 11">
+            <a:extLst>
+              <a:ext uri="{FF2B5EF4-FFF2-40B4-BE49-F238E27FC236}">
+                <a16:creationId xmlns:a16="http://schemas.microsoft.com/office/drawing/2014/main" id="{0719B1B7-6259-EA45-B522-73E4A74D40F1}"/>
               </a:ext>
             </a:extLst>
           </p:cNvPr>
@@ -7049,8 +7035,8 @@
         </p:blipFill>
         <p:spPr>
           <a:xfrm>
-            <a:off x="44450" y="6262356"/>
-            <a:ext cx="9817100" cy="76200"/>
+            <a:off x="360680" y="952751"/>
+            <a:ext cx="5892800" cy="482600"/>
           </a:xfrm>
           <a:prstGeom prst="rect">
             <a:avLst/>
@@ -7060,7 +7046,7 @@
     </p:spTree>
     <p:extLst>
       <p:ext uri="{BB962C8B-B14F-4D97-AF65-F5344CB8AC3E}">
-        <p14:creationId xmlns:p14="http://schemas.microsoft.com/office/powerpoint/2010/main" val="2001946930"/>
+        <p14:creationId xmlns:p14="http://schemas.microsoft.com/office/powerpoint/2010/main" val="1326985552"/>
       </p:ext>
     </p:extLst>
   </p:cSld>
@@ -7193,8 +7179,8 @@
         </p:nvSpPr>
         <p:spPr>
           <a:xfrm>
-            <a:off x="4153883" y="6416602"/>
-            <a:ext cx="5752117" cy="369332"/>
+            <a:off x="5408192" y="6403981"/>
+            <a:ext cx="4389366" cy="369332"/>
           </a:xfrm>
           <a:prstGeom prst="rect">
             <a:avLst/>
@@ -7216,41 +7202,9 @@
                   <a:schemeClr val="bg1"/>
                 </a:solidFill>
               </a:rPr>
-              <a:t>특정 배우가 참여한</a:t>
-            </a:r>
-            <a:r>
-              <a:rPr kumimoji="1" lang="en-US" altLang="ko-KR" dirty="0">
-                <a:solidFill>
-                  <a:schemeClr val="bg1"/>
-                </a:solidFill>
-              </a:rPr>
-              <a:t> </a:t>
-            </a:r>
-            <a:r>
-              <a:rPr kumimoji="1" lang="ko-KR" altLang="en-US" dirty="0">
-                <a:solidFill>
-                  <a:schemeClr val="bg1"/>
-                </a:solidFill>
-              </a:rPr>
-              <a:t>역할에 따른 영화 수 </a:t>
-            </a:r>
-            <a:r>
-              <a:rPr kumimoji="1" lang="en-US" altLang="ko-KR" dirty="0">
-                <a:solidFill>
-                  <a:schemeClr val="bg1"/>
-                </a:solidFill>
-              </a:rPr>
-              <a:t>(count)</a:t>
-            </a:r>
-            <a:r>
-              <a:rPr kumimoji="1" lang="ko-KR" altLang="en-US" dirty="0">
-                <a:solidFill>
-                  <a:schemeClr val="bg1"/>
-                </a:solidFill>
-              </a:rPr>
-              <a:t> 검색</a:t>
-            </a:r>
-            <a:endParaRPr kumimoji="1" lang="en-US" altLang="ko-KR" dirty="0">
+              <a:t>특정 배우와 감독이 같이한 작품을 검색</a:t>
+            </a:r>
+            <a:endParaRPr kumimoji="1" lang="en-US" altLang="ko-Kore-KR" dirty="0">
               <a:solidFill>
                 <a:schemeClr val="bg1"/>
               </a:solidFill>
@@ -7260,10 +7214,10 @@
       </p:sp>
       <p:pic>
         <p:nvPicPr>
-          <p:cNvPr id="4" name="그림 3">
-            <a:extLst>
-              <a:ext uri="{FF2B5EF4-FFF2-40B4-BE49-F238E27FC236}">
-                <a16:creationId xmlns:a16="http://schemas.microsoft.com/office/drawing/2014/main" id="{812C734F-8D1A-9E49-8C5D-7ABF7384533C}"/>
+          <p:cNvPr id="4" name="그림 3" descr="텍스트이(가) 표시된 사진&#10;&#10;자동 생성된 설명">
+            <a:extLst>
+              <a:ext uri="{FF2B5EF4-FFF2-40B4-BE49-F238E27FC236}">
+                <a16:creationId xmlns:a16="http://schemas.microsoft.com/office/drawing/2014/main" id="{CD70711B-5226-1540-BBE2-877586BE6DFF}"/>
               </a:ext>
             </a:extLst>
           </p:cNvPr>
@@ -7286,8 +7240,8 @@
         </p:blipFill>
         <p:spPr>
           <a:xfrm>
-            <a:off x="0" y="2832020"/>
-            <a:ext cx="9906000" cy="123209"/>
+            <a:off x="55174" y="766762"/>
+            <a:ext cx="9120403" cy="2103804"/>
           </a:xfrm>
           <a:prstGeom prst="rect">
             <a:avLst/>
@@ -7296,10 +7250,10 @@
       </p:pic>
       <p:pic>
         <p:nvPicPr>
-          <p:cNvPr id="9" name="그림 8" descr="테이블이(가) 표시된 사진&#10;&#10;자동 생성된 설명">
-            <a:extLst>
-              <a:ext uri="{FF2B5EF4-FFF2-40B4-BE49-F238E27FC236}">
-                <a16:creationId xmlns:a16="http://schemas.microsoft.com/office/drawing/2014/main" id="{9F4D6993-CD37-9C4A-BF46-AE1367CB2C24}"/>
+          <p:cNvPr id="9" name="그림 8" descr="텍스트이(가) 표시된 사진&#10;&#10;자동 생성된 설명">
+            <a:extLst>
+              <a:ext uri="{FF2B5EF4-FFF2-40B4-BE49-F238E27FC236}">
+                <a16:creationId xmlns:a16="http://schemas.microsoft.com/office/drawing/2014/main" id="{9160D6A0-B6E4-8247-88BC-6F3FAA3528A3}"/>
               </a:ext>
             </a:extLst>
           </p:cNvPr>
@@ -7322,8 +7276,8 @@
         </p:blipFill>
         <p:spPr>
           <a:xfrm>
-            <a:off x="1234440" y="1660100"/>
-            <a:ext cx="1219200" cy="825500"/>
+            <a:off x="505005" y="3403235"/>
+            <a:ext cx="4457700" cy="584200"/>
           </a:xfrm>
           <a:prstGeom prst="rect">
             <a:avLst/>
@@ -7332,10 +7286,10 @@
       </p:pic>
       <p:pic>
         <p:nvPicPr>
-          <p:cNvPr id="12" name="그림 11">
-            <a:extLst>
-              <a:ext uri="{FF2B5EF4-FFF2-40B4-BE49-F238E27FC236}">
-                <a16:creationId xmlns:a16="http://schemas.microsoft.com/office/drawing/2014/main" id="{0719B1B7-6259-EA45-B522-73E4A74D40F1}"/>
+          <p:cNvPr id="13" name="그림 12">
+            <a:extLst>
+              <a:ext uri="{FF2B5EF4-FFF2-40B4-BE49-F238E27FC236}">
+                <a16:creationId xmlns:a16="http://schemas.microsoft.com/office/drawing/2014/main" id="{36799703-C294-CB44-B8B3-6DF43D507C40}"/>
               </a:ext>
             </a:extLst>
           </p:cNvPr>
@@ -7358,8 +7312,8 @@
         </p:blipFill>
         <p:spPr>
           <a:xfrm>
-            <a:off x="360680" y="952751"/>
-            <a:ext cx="5892800" cy="482600"/>
+            <a:off x="35105" y="5748839"/>
+            <a:ext cx="9855200" cy="127000"/>
           </a:xfrm>
           <a:prstGeom prst="rect">
             <a:avLst/>
@@ -7369,7 +7323,7 @@
     </p:spTree>
     <p:extLst>
       <p:ext uri="{BB962C8B-B14F-4D97-AF65-F5344CB8AC3E}">
-        <p14:creationId xmlns:p14="http://schemas.microsoft.com/office/powerpoint/2010/main" val="1326985552"/>
+        <p14:creationId xmlns:p14="http://schemas.microsoft.com/office/powerpoint/2010/main" val="2766704799"/>
       </p:ext>
     </p:extLst>
   </p:cSld>
@@ -7490,6 +7444,53 @@
       </p:sp>
       <p:sp>
         <p:nvSpPr>
+          <p:cNvPr id="20" name="TextBox 19">
+            <a:extLst>
+              <a:ext uri="{FF2B5EF4-FFF2-40B4-BE49-F238E27FC236}">
+                <a16:creationId xmlns:a16="http://schemas.microsoft.com/office/drawing/2014/main" id="{6127261C-C2AB-1A4C-919C-3AB06F923872}"/>
+              </a:ext>
+            </a:extLst>
+          </p:cNvPr>
+          <p:cNvSpPr txBox="1"/>
+          <p:nvPr/>
+        </p:nvSpPr>
+        <p:spPr>
+          <a:xfrm>
+            <a:off x="7978795" y="4415236"/>
+            <a:ext cx="1255776" cy="369332"/>
+          </a:xfrm>
+          <a:prstGeom prst="rect">
+            <a:avLst/>
+          </a:prstGeom>
+          <a:noFill/>
+        </p:spPr>
+        <p:txBody>
+          <a:bodyPr wrap="square" rtlCol="0">
+            <a:spAutoFit/>
+          </a:bodyPr>
+          <a:lstStyle/>
+          <a:p>
+            <a:r>
+              <a:rPr kumimoji="1" lang="en-US" altLang="ko-Kore-KR" dirty="0">
+                <a:solidFill>
+                  <a:schemeClr val="bg1"/>
+                </a:solidFill>
+              </a:rPr>
+              <a:t>Indexing </a:t>
+            </a:r>
+            <a:r>
+              <a:rPr kumimoji="1" lang="ko-Kore-KR" altLang="en-US" dirty="0">
+                <a:solidFill>
+                  <a:schemeClr val="bg1"/>
+                </a:solidFill>
+              </a:rPr>
+              <a:t>전</a:t>
+            </a:r>
+          </a:p>
+        </p:txBody>
+      </p:sp>
+      <p:sp>
+        <p:nvSpPr>
           <p:cNvPr id="2" name="직사각형 1">
             <a:extLst>
               <a:ext uri="{FF2B5EF4-FFF2-40B4-BE49-F238E27FC236}">
@@ -7502,8 +7503,8 @@
         </p:nvSpPr>
         <p:spPr>
           <a:xfrm>
-            <a:off x="5408192" y="6403981"/>
-            <a:ext cx="4389366" cy="369332"/>
+            <a:off x="6608747" y="6488668"/>
+            <a:ext cx="3281558" cy="369332"/>
           </a:xfrm>
           <a:prstGeom prst="rect">
             <a:avLst/>
@@ -7525,7 +7526,23 @@
                   <a:schemeClr val="bg1"/>
                 </a:solidFill>
               </a:rPr>
-              <a:t>특정 배우와 감독이 같이한 작품을 검색</a:t>
+              <a:t>장르별 </a:t>
+            </a:r>
+            <a:r>
+              <a:rPr kumimoji="1" lang="en-US" altLang="ko-KR" dirty="0">
+                <a:solidFill>
+                  <a:schemeClr val="bg1"/>
+                </a:solidFill>
+              </a:rPr>
+              <a:t>IMDB</a:t>
+            </a:r>
+            <a:r>
+              <a:rPr kumimoji="1" lang="ko-KR" altLang="en-US" dirty="0">
+                <a:solidFill>
+                  <a:schemeClr val="bg1"/>
+                </a:solidFill>
+              </a:rPr>
+              <a:t> 데이터 영화 수</a:t>
             </a:r>
             <a:endParaRPr kumimoji="1" lang="en-US" altLang="ko-Kore-KR" dirty="0">
               <a:solidFill>
@@ -7537,10 +7554,10 @@
       </p:sp>
       <p:pic>
         <p:nvPicPr>
-          <p:cNvPr id="4" name="그림 3" descr="텍스트이(가) 표시된 사진&#10;&#10;자동 생성된 설명">
-            <a:extLst>
-              <a:ext uri="{FF2B5EF4-FFF2-40B4-BE49-F238E27FC236}">
-                <a16:creationId xmlns:a16="http://schemas.microsoft.com/office/drawing/2014/main" id="{CD70711B-5226-1540-BBE2-877586BE6DFF}"/>
+          <p:cNvPr id="6" name="그림 5">
+            <a:extLst>
+              <a:ext uri="{FF2B5EF4-FFF2-40B4-BE49-F238E27FC236}">
+                <a16:creationId xmlns:a16="http://schemas.microsoft.com/office/drawing/2014/main" id="{4A551E69-9235-FC49-A1BF-8114C8C24FC9}"/>
               </a:ext>
             </a:extLst>
           </p:cNvPr>
@@ -7563,8 +7580,8 @@
         </p:blipFill>
         <p:spPr>
           <a:xfrm>
-            <a:off x="55174" y="766762"/>
-            <a:ext cx="9120403" cy="2103804"/>
+            <a:off x="-22128" y="5593441"/>
+            <a:ext cx="9906000" cy="86354"/>
           </a:xfrm>
           <a:prstGeom prst="rect">
             <a:avLst/>
@@ -7573,10 +7590,10 @@
       </p:pic>
       <p:pic>
         <p:nvPicPr>
-          <p:cNvPr id="9" name="그림 8" descr="텍스트이(가) 표시된 사진&#10;&#10;자동 생성된 설명">
-            <a:extLst>
-              <a:ext uri="{FF2B5EF4-FFF2-40B4-BE49-F238E27FC236}">
-                <a16:creationId xmlns:a16="http://schemas.microsoft.com/office/drawing/2014/main" id="{9160D6A0-B6E4-8247-88BC-6F3FAA3528A3}"/>
+          <p:cNvPr id="10" name="그림 9" descr="텍스트, 점수판이(가) 표시된 사진&#10;&#10;자동 생성된 설명">
+            <a:extLst>
+              <a:ext uri="{FF2B5EF4-FFF2-40B4-BE49-F238E27FC236}">
+                <a16:creationId xmlns:a16="http://schemas.microsoft.com/office/drawing/2014/main" id="{16588FB8-2AB0-AE4E-AB49-69C18C51177E}"/>
               </a:ext>
             </a:extLst>
           </p:cNvPr>
@@ -7599,8 +7616,8 @@
         </p:blipFill>
         <p:spPr>
           <a:xfrm>
-            <a:off x="505005" y="3403235"/>
-            <a:ext cx="4457700" cy="584200"/>
+            <a:off x="3082274" y="1146605"/>
+            <a:ext cx="1104900" cy="2921000"/>
           </a:xfrm>
           <a:prstGeom prst="rect">
             <a:avLst/>
@@ -7609,10 +7626,10 @@
       </p:pic>
       <p:pic>
         <p:nvPicPr>
-          <p:cNvPr id="13" name="그림 12">
-            <a:extLst>
-              <a:ext uri="{FF2B5EF4-FFF2-40B4-BE49-F238E27FC236}">
-                <a16:creationId xmlns:a16="http://schemas.microsoft.com/office/drawing/2014/main" id="{36799703-C294-CB44-B8B3-6DF43D507C40}"/>
+          <p:cNvPr id="12" name="그림 11" descr="텍스트, 검은색, 스크린샷이(가) 표시된 사진&#10;&#10;자동 생성된 설명">
+            <a:extLst>
+              <a:ext uri="{FF2B5EF4-FFF2-40B4-BE49-F238E27FC236}">
+                <a16:creationId xmlns:a16="http://schemas.microsoft.com/office/drawing/2014/main" id="{437542F2-044F-464A-99F3-1F83EB998DD9}"/>
               </a:ext>
             </a:extLst>
           </p:cNvPr>
@@ -7635,8 +7652,112 @@
         </p:blipFill>
         <p:spPr>
           <a:xfrm>
-            <a:off x="35105" y="5748839"/>
-            <a:ext cx="9855200" cy="127000"/>
+            <a:off x="598817" y="1146605"/>
+            <a:ext cx="2286000" cy="812800"/>
+          </a:xfrm>
+          <a:prstGeom prst="rect">
+            <a:avLst/>
+          </a:prstGeom>
+        </p:spPr>
+      </p:pic>
+      <p:sp>
+        <p:nvSpPr>
+          <p:cNvPr id="15" name="TextBox 14">
+            <a:extLst>
+              <a:ext uri="{FF2B5EF4-FFF2-40B4-BE49-F238E27FC236}">
+                <a16:creationId xmlns:a16="http://schemas.microsoft.com/office/drawing/2014/main" id="{09CA0352-C833-AE4C-805D-34AFBBCCC845}"/>
+              </a:ext>
+            </a:extLst>
+          </p:cNvPr>
+          <p:cNvSpPr txBox="1"/>
+          <p:nvPr/>
+        </p:nvSpPr>
+        <p:spPr>
+          <a:xfrm>
+            <a:off x="6695768" y="5224109"/>
+            <a:ext cx="2538803" cy="369332"/>
+          </a:xfrm>
+          <a:prstGeom prst="rect">
+            <a:avLst/>
+          </a:prstGeom>
+          <a:noFill/>
+        </p:spPr>
+        <p:txBody>
+          <a:bodyPr wrap="square" rtlCol="0">
+            <a:spAutoFit/>
+          </a:bodyPr>
+          <a:lstStyle/>
+          <a:p>
+            <a:r>
+              <a:rPr kumimoji="1" lang="en-US" altLang="ko-KR" dirty="0">
+                <a:solidFill>
+                  <a:schemeClr val="bg1"/>
+                </a:solidFill>
+              </a:rPr>
+              <a:t>genres</a:t>
+            </a:r>
+            <a:r>
+              <a:rPr kumimoji="1" lang="ko-KR" altLang="en-US" dirty="0">
+                <a:solidFill>
+                  <a:schemeClr val="bg1"/>
+                </a:solidFill>
+              </a:rPr>
+              <a:t>에 </a:t>
+            </a:r>
+            <a:r>
+              <a:rPr kumimoji="1" lang="en-US" altLang="ko-Kore-KR" dirty="0">
+                <a:solidFill>
+                  <a:schemeClr val="bg1"/>
+                </a:solidFill>
+              </a:rPr>
+              <a:t>Indexing </a:t>
+            </a:r>
+            <a:r>
+              <a:rPr kumimoji="1" lang="ko-KR" altLang="en-US" dirty="0">
+                <a:solidFill>
+                  <a:schemeClr val="bg1"/>
+                </a:solidFill>
+              </a:rPr>
+              <a:t>후</a:t>
+            </a:r>
+            <a:endParaRPr kumimoji="1" lang="ko-Kore-KR" altLang="en-US" dirty="0">
+              <a:solidFill>
+                <a:schemeClr val="bg1"/>
+              </a:solidFill>
+            </a:endParaRPr>
+          </a:p>
+        </p:txBody>
+      </p:sp>
+      <p:pic>
+        <p:nvPicPr>
+          <p:cNvPr id="16" name="그림 15">
+            <a:extLst>
+              <a:ext uri="{FF2B5EF4-FFF2-40B4-BE49-F238E27FC236}">
+                <a16:creationId xmlns:a16="http://schemas.microsoft.com/office/drawing/2014/main" id="{93316896-7B6C-C840-8643-7E615CB84425}"/>
+              </a:ext>
+            </a:extLst>
+          </p:cNvPr>
+          <p:cNvPicPr>
+            <a:picLocks noChangeAspect="1"/>
+          </p:cNvPicPr>
+          <p:nvPr/>
+        </p:nvPicPr>
+        <p:blipFill>
+          <a:blip r:embed="rId6">
+            <a:extLst>
+              <a:ext uri="{28A0092B-C50C-407E-A947-70E740481C1C}">
+                <a14:useLocalDpi xmlns:a14="http://schemas.microsoft.com/office/drawing/2010/main" val="0"/>
+              </a:ext>
+            </a:extLst>
+          </a:blip>
+          <a:stretch>
+            <a:fillRect/>
+          </a:stretch>
+        </p:blipFill>
+        <p:spPr>
+          <a:xfrm>
+            <a:off x="-15695" y="4917984"/>
+            <a:ext cx="9906000" cy="86354"/>
           </a:xfrm>
           <a:prstGeom prst="rect">
             <a:avLst/>
@@ -7646,7 +7767,7 @@
     </p:spTree>
     <p:extLst>
       <p:ext uri="{BB962C8B-B14F-4D97-AF65-F5344CB8AC3E}">
-        <p14:creationId xmlns:p14="http://schemas.microsoft.com/office/powerpoint/2010/main" val="2766704799"/>
+        <p14:creationId xmlns:p14="http://schemas.microsoft.com/office/powerpoint/2010/main" val="1388159326"/>
       </p:ext>
     </p:extLst>
   </p:cSld>
@@ -7930,450 +8051,6 @@
         </p:nvSpPr>
         <p:spPr>
           <a:xfrm>
-            <a:off x="7978795" y="4415236"/>
-            <a:ext cx="1255776" cy="369332"/>
-          </a:xfrm>
-          <a:prstGeom prst="rect">
-            <a:avLst/>
-          </a:prstGeom>
-          <a:noFill/>
-        </p:spPr>
-        <p:txBody>
-          <a:bodyPr wrap="square" rtlCol="0">
-            <a:spAutoFit/>
-          </a:bodyPr>
-          <a:lstStyle/>
-          <a:p>
-            <a:r>
-              <a:rPr kumimoji="1" lang="en-US" altLang="ko-Kore-KR" dirty="0">
-                <a:solidFill>
-                  <a:schemeClr val="bg1"/>
-                </a:solidFill>
-              </a:rPr>
-              <a:t>Indexing </a:t>
-            </a:r>
-            <a:r>
-              <a:rPr kumimoji="1" lang="ko-Kore-KR" altLang="en-US" dirty="0">
-                <a:solidFill>
-                  <a:schemeClr val="bg1"/>
-                </a:solidFill>
-              </a:rPr>
-              <a:t>전</a:t>
-            </a:r>
-          </a:p>
-        </p:txBody>
-      </p:sp>
-      <p:sp>
-        <p:nvSpPr>
-          <p:cNvPr id="2" name="직사각형 1">
-            <a:extLst>
-              <a:ext uri="{FF2B5EF4-FFF2-40B4-BE49-F238E27FC236}">
-                <a16:creationId xmlns:a16="http://schemas.microsoft.com/office/drawing/2014/main" id="{9105D7B7-8174-DE49-ACFF-0E780EF99F34}"/>
-              </a:ext>
-            </a:extLst>
-          </p:cNvPr>
-          <p:cNvSpPr/>
-          <p:nvPr/>
-        </p:nvSpPr>
-        <p:spPr>
-          <a:xfrm>
-            <a:off x="6608747" y="6488668"/>
-            <a:ext cx="3281558" cy="369332"/>
-          </a:xfrm>
-          <a:prstGeom prst="rect">
-            <a:avLst/>
-          </a:prstGeom>
-        </p:spPr>
-        <p:txBody>
-          <a:bodyPr wrap="square">
-            <a:spAutoFit/>
-          </a:bodyPr>
-          <a:lstStyle/>
-          <a:p>
-            <a:pPr marL="285750" indent="-285750">
-              <a:buFontTx/>
-              <a:buChar char="-"/>
-            </a:pPr>
-            <a:r>
-              <a:rPr kumimoji="1" lang="ko-KR" altLang="en-US" dirty="0">
-                <a:solidFill>
-                  <a:schemeClr val="bg1"/>
-                </a:solidFill>
-              </a:rPr>
-              <a:t>장르별 </a:t>
-            </a:r>
-            <a:r>
-              <a:rPr kumimoji="1" lang="en-US" altLang="ko-KR" dirty="0">
-                <a:solidFill>
-                  <a:schemeClr val="bg1"/>
-                </a:solidFill>
-              </a:rPr>
-              <a:t>IMDB</a:t>
-            </a:r>
-            <a:r>
-              <a:rPr kumimoji="1" lang="ko-KR" altLang="en-US" dirty="0">
-                <a:solidFill>
-                  <a:schemeClr val="bg1"/>
-                </a:solidFill>
-              </a:rPr>
-              <a:t> 데이터 영화 수</a:t>
-            </a:r>
-            <a:endParaRPr kumimoji="1" lang="en-US" altLang="ko-Kore-KR" dirty="0">
-              <a:solidFill>
-                <a:schemeClr val="bg1"/>
-              </a:solidFill>
-            </a:endParaRPr>
-          </a:p>
-        </p:txBody>
-      </p:sp>
-      <p:pic>
-        <p:nvPicPr>
-          <p:cNvPr id="6" name="그림 5">
-            <a:extLst>
-              <a:ext uri="{FF2B5EF4-FFF2-40B4-BE49-F238E27FC236}">
-                <a16:creationId xmlns:a16="http://schemas.microsoft.com/office/drawing/2014/main" id="{4A551E69-9235-FC49-A1BF-8114C8C24FC9}"/>
-              </a:ext>
-            </a:extLst>
-          </p:cNvPr>
-          <p:cNvPicPr>
-            <a:picLocks noChangeAspect="1"/>
-          </p:cNvPicPr>
-          <p:nvPr/>
-        </p:nvPicPr>
-        <p:blipFill>
-          <a:blip r:embed="rId3">
-            <a:extLst>
-              <a:ext uri="{28A0092B-C50C-407E-A947-70E740481C1C}">
-                <a14:useLocalDpi xmlns:a14="http://schemas.microsoft.com/office/drawing/2010/main" val="0"/>
-              </a:ext>
-            </a:extLst>
-          </a:blip>
-          <a:stretch>
-            <a:fillRect/>
-          </a:stretch>
-        </p:blipFill>
-        <p:spPr>
-          <a:xfrm>
-            <a:off x="-22128" y="5593441"/>
-            <a:ext cx="9906000" cy="86354"/>
-          </a:xfrm>
-          <a:prstGeom prst="rect">
-            <a:avLst/>
-          </a:prstGeom>
-        </p:spPr>
-      </p:pic>
-      <p:pic>
-        <p:nvPicPr>
-          <p:cNvPr id="10" name="그림 9" descr="텍스트, 점수판이(가) 표시된 사진&#10;&#10;자동 생성된 설명">
-            <a:extLst>
-              <a:ext uri="{FF2B5EF4-FFF2-40B4-BE49-F238E27FC236}">
-                <a16:creationId xmlns:a16="http://schemas.microsoft.com/office/drawing/2014/main" id="{16588FB8-2AB0-AE4E-AB49-69C18C51177E}"/>
-              </a:ext>
-            </a:extLst>
-          </p:cNvPr>
-          <p:cNvPicPr>
-            <a:picLocks noChangeAspect="1"/>
-          </p:cNvPicPr>
-          <p:nvPr/>
-        </p:nvPicPr>
-        <p:blipFill>
-          <a:blip r:embed="rId4">
-            <a:extLst>
-              <a:ext uri="{28A0092B-C50C-407E-A947-70E740481C1C}">
-                <a14:useLocalDpi xmlns:a14="http://schemas.microsoft.com/office/drawing/2010/main" val="0"/>
-              </a:ext>
-            </a:extLst>
-          </a:blip>
-          <a:stretch>
-            <a:fillRect/>
-          </a:stretch>
-        </p:blipFill>
-        <p:spPr>
-          <a:xfrm>
-            <a:off x="3082274" y="1146605"/>
-            <a:ext cx="1104900" cy="2921000"/>
-          </a:xfrm>
-          <a:prstGeom prst="rect">
-            <a:avLst/>
-          </a:prstGeom>
-        </p:spPr>
-      </p:pic>
-      <p:pic>
-        <p:nvPicPr>
-          <p:cNvPr id="12" name="그림 11" descr="텍스트, 검은색, 스크린샷이(가) 표시된 사진&#10;&#10;자동 생성된 설명">
-            <a:extLst>
-              <a:ext uri="{FF2B5EF4-FFF2-40B4-BE49-F238E27FC236}">
-                <a16:creationId xmlns:a16="http://schemas.microsoft.com/office/drawing/2014/main" id="{437542F2-044F-464A-99F3-1F83EB998DD9}"/>
-              </a:ext>
-            </a:extLst>
-          </p:cNvPr>
-          <p:cNvPicPr>
-            <a:picLocks noChangeAspect="1"/>
-          </p:cNvPicPr>
-          <p:nvPr/>
-        </p:nvPicPr>
-        <p:blipFill>
-          <a:blip r:embed="rId5">
-            <a:extLst>
-              <a:ext uri="{28A0092B-C50C-407E-A947-70E740481C1C}">
-                <a14:useLocalDpi xmlns:a14="http://schemas.microsoft.com/office/drawing/2010/main" val="0"/>
-              </a:ext>
-            </a:extLst>
-          </a:blip>
-          <a:stretch>
-            <a:fillRect/>
-          </a:stretch>
-        </p:blipFill>
-        <p:spPr>
-          <a:xfrm>
-            <a:off x="598817" y="1146605"/>
-            <a:ext cx="2286000" cy="812800"/>
-          </a:xfrm>
-          <a:prstGeom prst="rect">
-            <a:avLst/>
-          </a:prstGeom>
-        </p:spPr>
-      </p:pic>
-      <p:sp>
-        <p:nvSpPr>
-          <p:cNvPr id="15" name="TextBox 14">
-            <a:extLst>
-              <a:ext uri="{FF2B5EF4-FFF2-40B4-BE49-F238E27FC236}">
-                <a16:creationId xmlns:a16="http://schemas.microsoft.com/office/drawing/2014/main" id="{09CA0352-C833-AE4C-805D-34AFBBCCC845}"/>
-              </a:ext>
-            </a:extLst>
-          </p:cNvPr>
-          <p:cNvSpPr txBox="1"/>
-          <p:nvPr/>
-        </p:nvSpPr>
-        <p:spPr>
-          <a:xfrm>
-            <a:off x="6695768" y="5224109"/>
-            <a:ext cx="2538803" cy="369332"/>
-          </a:xfrm>
-          <a:prstGeom prst="rect">
-            <a:avLst/>
-          </a:prstGeom>
-          <a:noFill/>
-        </p:spPr>
-        <p:txBody>
-          <a:bodyPr wrap="square" rtlCol="0">
-            <a:spAutoFit/>
-          </a:bodyPr>
-          <a:lstStyle/>
-          <a:p>
-            <a:r>
-              <a:rPr kumimoji="1" lang="en-US" altLang="ko-KR" dirty="0">
-                <a:solidFill>
-                  <a:schemeClr val="bg1"/>
-                </a:solidFill>
-              </a:rPr>
-              <a:t>genres</a:t>
-            </a:r>
-            <a:r>
-              <a:rPr kumimoji="1" lang="ko-KR" altLang="en-US" dirty="0">
-                <a:solidFill>
-                  <a:schemeClr val="bg1"/>
-                </a:solidFill>
-              </a:rPr>
-              <a:t>에 </a:t>
-            </a:r>
-            <a:r>
-              <a:rPr kumimoji="1" lang="en-US" altLang="ko-Kore-KR" dirty="0">
-                <a:solidFill>
-                  <a:schemeClr val="bg1"/>
-                </a:solidFill>
-              </a:rPr>
-              <a:t>Indexing </a:t>
-            </a:r>
-            <a:r>
-              <a:rPr kumimoji="1" lang="ko-KR" altLang="en-US" dirty="0">
-                <a:solidFill>
-                  <a:schemeClr val="bg1"/>
-                </a:solidFill>
-              </a:rPr>
-              <a:t>후</a:t>
-            </a:r>
-            <a:endParaRPr kumimoji="1" lang="ko-Kore-KR" altLang="en-US" dirty="0">
-              <a:solidFill>
-                <a:schemeClr val="bg1"/>
-              </a:solidFill>
-            </a:endParaRPr>
-          </a:p>
-        </p:txBody>
-      </p:sp>
-      <p:pic>
-        <p:nvPicPr>
-          <p:cNvPr id="16" name="그림 15">
-            <a:extLst>
-              <a:ext uri="{FF2B5EF4-FFF2-40B4-BE49-F238E27FC236}">
-                <a16:creationId xmlns:a16="http://schemas.microsoft.com/office/drawing/2014/main" id="{93316896-7B6C-C840-8643-7E615CB84425}"/>
-              </a:ext>
-            </a:extLst>
-          </p:cNvPr>
-          <p:cNvPicPr>
-            <a:picLocks noChangeAspect="1"/>
-          </p:cNvPicPr>
-          <p:nvPr/>
-        </p:nvPicPr>
-        <p:blipFill>
-          <a:blip r:embed="rId6">
-            <a:extLst>
-              <a:ext uri="{28A0092B-C50C-407E-A947-70E740481C1C}">
-                <a14:useLocalDpi xmlns:a14="http://schemas.microsoft.com/office/drawing/2010/main" val="0"/>
-              </a:ext>
-            </a:extLst>
-          </a:blip>
-          <a:stretch>
-            <a:fillRect/>
-          </a:stretch>
-        </p:blipFill>
-        <p:spPr>
-          <a:xfrm>
-            <a:off x="-15695" y="4917984"/>
-            <a:ext cx="9906000" cy="86354"/>
-          </a:xfrm>
-          <a:prstGeom prst="rect">
-            <a:avLst/>
-          </a:prstGeom>
-        </p:spPr>
-      </p:pic>
-    </p:spTree>
-    <p:extLst>
-      <p:ext uri="{BB962C8B-B14F-4D97-AF65-F5344CB8AC3E}">
-        <p14:creationId xmlns:p14="http://schemas.microsoft.com/office/powerpoint/2010/main" val="1388159326"/>
-      </p:ext>
-    </p:extLst>
-  </p:cSld>
-  <p:clrMapOvr>
-    <a:masterClrMapping/>
-  </p:clrMapOvr>
-</p:sld>
-</file>
-
-<file path=ppt/slides/slide21.xml><?xml version="1.0" encoding="utf-8"?>
-<p:sld xmlns:a="http://schemas.openxmlformats.org/drawingml/2006/main" xmlns:r="http://schemas.openxmlformats.org/officeDocument/2006/relationships" xmlns:p="http://schemas.openxmlformats.org/presentationml/2006/main">
-  <p:cSld>
-    <p:bg>
-      <p:bgPr>
-        <a:blipFill dpi="0" rotWithShape="1">
-          <a:blip r:embed="rId2">
-            <a:lum/>
-          </a:blip>
-          <a:srcRect/>
-          <a:stretch>
-            <a:fillRect t="-1000" b="-1000"/>
-          </a:stretch>
-        </a:blipFill>
-        <a:effectLst/>
-      </p:bgPr>
-    </p:bg>
-    <p:spTree>
-      <p:nvGrpSpPr>
-        <p:cNvPr id="1" name=""/>
-        <p:cNvGrpSpPr/>
-        <p:nvPr/>
-      </p:nvGrpSpPr>
-      <p:grpSpPr>
-        <a:xfrm>
-          <a:off x="0" y="0"/>
-          <a:ext cx="0" cy="0"/>
-          <a:chOff x="0" y="0"/>
-          <a:chExt cx="0" cy="0"/>
-        </a:xfrm>
-      </p:grpSpPr>
-      <p:cxnSp>
-        <p:nvCxnSpPr>
-          <p:cNvPr id="5" name="직선 연결선 4"/>
-          <p:cNvCxnSpPr/>
-          <p:nvPr/>
-        </p:nvCxnSpPr>
-        <p:spPr>
-          <a:xfrm>
-            <a:off x="411193" y="526207"/>
-            <a:ext cx="187624" cy="0"/>
-          </a:xfrm>
-          <a:prstGeom prst="line">
-            <a:avLst/>
-          </a:prstGeom>
-          <a:ln w="38100">
-            <a:solidFill>
-              <a:schemeClr val="accent5">
-                <a:lumMod val="75000"/>
-              </a:schemeClr>
-            </a:solidFill>
-          </a:ln>
-        </p:spPr>
-        <p:style>
-          <a:lnRef idx="1">
-            <a:schemeClr val="accent1"/>
-          </a:lnRef>
-          <a:fillRef idx="0">
-            <a:schemeClr val="accent1"/>
-          </a:fillRef>
-          <a:effectRef idx="0">
-            <a:schemeClr val="accent1"/>
-          </a:effectRef>
-          <a:fontRef idx="minor">
-            <a:schemeClr val="tx1"/>
-          </a:fontRef>
-        </p:style>
-      </p:cxnSp>
-      <p:sp>
-        <p:nvSpPr>
-          <p:cNvPr id="7" name="직사각형 6"/>
-          <p:cNvSpPr/>
-          <p:nvPr/>
-        </p:nvSpPr>
-        <p:spPr>
-          <a:xfrm>
-            <a:off x="686778" y="334778"/>
-            <a:ext cx="4790993" cy="400110"/>
-          </a:xfrm>
-          <a:prstGeom prst="rect">
-            <a:avLst/>
-          </a:prstGeom>
-        </p:spPr>
-        <p:txBody>
-          <a:bodyPr vert="horz" wrap="square">
-            <a:spAutoFit/>
-          </a:bodyPr>
-          <a:lstStyle/>
-          <a:p>
-            <a:r>
-              <a:rPr lang="ko-KR" altLang="en-US" sz="2000" dirty="0">
-                <a:solidFill>
-                  <a:schemeClr val="bg1"/>
-                </a:solidFill>
-                <a:latin typeface="아리따-돋움(TTF)-Bold" panose="02020603020101020101" pitchFamily="18" charset="-127"/>
-                <a:ea typeface="아리따-돋움(TTF)-Bold" panose="02020603020101020101" pitchFamily="18" charset="-127"/>
-              </a:rPr>
-              <a:t>코드 실행</a:t>
-            </a:r>
-            <a:endParaRPr lang="en-US" altLang="ko-KR" sz="2000" dirty="0">
-              <a:solidFill>
-                <a:schemeClr val="bg1"/>
-              </a:solidFill>
-              <a:latin typeface="아리따-돋움(TTF)-Bold" panose="02020603020101020101" pitchFamily="18" charset="-127"/>
-              <a:ea typeface="아리따-돋움(TTF)-Bold" panose="02020603020101020101" pitchFamily="18" charset="-127"/>
-            </a:endParaRPr>
-          </a:p>
-        </p:txBody>
-      </p:sp>
-      <p:sp>
-        <p:nvSpPr>
-          <p:cNvPr id="20" name="TextBox 19">
-            <a:extLst>
-              <a:ext uri="{FF2B5EF4-FFF2-40B4-BE49-F238E27FC236}">
-                <a16:creationId xmlns:a16="http://schemas.microsoft.com/office/drawing/2014/main" id="{6127261C-C2AB-1A4C-919C-3AB06F923872}"/>
-              </a:ext>
-            </a:extLst>
-          </p:cNvPr>
-          <p:cNvSpPr txBox="1"/>
-          <p:nvPr/>
-        </p:nvSpPr>
-        <p:spPr>
-          <a:xfrm>
             <a:off x="411189" y="767304"/>
             <a:ext cx="7700421" cy="1200329"/>
           </a:xfrm>
@@ -9208,7 +8885,7 @@
 </p:sld>
 </file>
 
-<file path=ppt/slides/slide22.xml><?xml version="1.0" encoding="utf-8"?>
+<file path=ppt/slides/slide21.xml><?xml version="1.0" encoding="utf-8"?>
 <p:sld xmlns:a="http://schemas.openxmlformats.org/drawingml/2006/main" xmlns:r="http://schemas.openxmlformats.org/officeDocument/2006/relationships" xmlns:p="http://schemas.openxmlformats.org/presentationml/2006/main">
   <p:cSld>
     <p:bg>
@@ -13649,7 +13326,7 @@
         <p:spPr>
           <a:xfrm>
             <a:off x="7059289" y="5715955"/>
-            <a:ext cx="2171437" cy="523220"/>
+            <a:ext cx="2171437" cy="954107"/>
           </a:xfrm>
           <a:prstGeom prst="rect">
             <a:avLst/>
@@ -13661,16 +13338,13 @@
           </a:bodyPr>
           <a:lstStyle/>
           <a:p>
-            <a:pPr marL="342900" indent="-342900">
-              <a:buAutoNum type="arabicPeriod"/>
-            </a:pPr>
             <a:r>
               <a:rPr kumimoji="1" lang="en-US" altLang="ko-KR" sz="1400" dirty="0">
                 <a:solidFill>
                   <a:schemeClr val="bg1"/>
                 </a:solidFill>
               </a:rPr>
-              <a:t>IMDB</a:t>
+              <a:t>2.</a:t>
             </a:r>
             <a:r>
               <a:rPr kumimoji="1" lang="ko-KR" altLang="en-US" sz="1400" dirty="0">
@@ -13681,12 +13355,76 @@
               <a:t> </a:t>
             </a:r>
             <a:r>
+              <a:rPr kumimoji="1" lang="en-US" altLang="ko-Kore-KR" sz="1400" dirty="0">
+                <a:solidFill>
+                  <a:schemeClr val="bg1"/>
+                </a:solidFill>
+              </a:rPr>
+              <a:t>Table Schema</a:t>
+            </a:r>
+            <a:r>
+              <a:rPr kumimoji="1" lang="ko-KR" altLang="en-US" sz="1400" dirty="0" err="1">
+                <a:solidFill>
+                  <a:schemeClr val="bg1"/>
+                </a:solidFill>
+              </a:rPr>
+              <a:t>를</a:t>
+            </a:r>
+            <a:r>
+              <a:rPr kumimoji="1" lang="ko-KR" altLang="en-US" sz="1400" dirty="0">
+                <a:solidFill>
+                  <a:schemeClr val="bg1"/>
+                </a:solidFill>
+              </a:rPr>
+              <a:t> 바탕으로 설계한 </a:t>
+            </a:r>
+            <a:r>
               <a:rPr kumimoji="1" lang="en-US" altLang="ko-KR" sz="1400" dirty="0">
                 <a:solidFill>
                   <a:schemeClr val="bg1"/>
                 </a:solidFill>
               </a:rPr>
-              <a:t>data</a:t>
+              <a:t>Table</a:t>
+            </a:r>
+            <a:r>
+              <a:rPr kumimoji="1" lang="ko-KR" altLang="en-US" sz="1400" dirty="0">
+                <a:solidFill>
+                  <a:schemeClr val="bg1"/>
+                </a:solidFill>
+              </a:rPr>
+              <a:t> 만들기</a:t>
+            </a:r>
+            <a:r>
+              <a:rPr kumimoji="1" lang="en-US" altLang="ko-KR" sz="1400" dirty="0">
+                <a:solidFill>
+                  <a:schemeClr val="bg1"/>
+                </a:solidFill>
+              </a:rPr>
+              <a:t>(</a:t>
+            </a:r>
+            <a:r>
+              <a:rPr kumimoji="1" lang="ko-KR" altLang="en-US" sz="1400" dirty="0">
+                <a:solidFill>
+                  <a:schemeClr val="bg1"/>
+                </a:solidFill>
+              </a:rPr>
+              <a:t>데이터 타입</a:t>
+            </a:r>
+            <a:r>
+              <a:rPr kumimoji="1" lang="en-US" altLang="ko-KR" sz="1400" dirty="0">
+                <a:solidFill>
+                  <a:schemeClr val="bg1"/>
+                </a:solidFill>
+              </a:rPr>
+              <a:t>,</a:t>
+            </a:r>
+            <a:r>
+              <a:rPr kumimoji="1" lang="ko-KR" altLang="en-US" sz="1400" dirty="0">
+                <a:solidFill>
+                  <a:schemeClr val="bg1"/>
+                </a:solidFill>
+              </a:rPr>
+              <a:t> </a:t>
             </a:r>
             <a:r>
               <a:rPr kumimoji="1" lang="ko-KR" altLang="en-US" sz="1400" dirty="0" err="1">
@@ -13694,7 +13432,15 @@
                   <a:schemeClr val="bg1"/>
                 </a:solidFill>
               </a:rPr>
-              <a:t>를</a:t>
+              <a:t>기본키</a:t>
+            </a:r>
+            <a:r>
+              <a:rPr kumimoji="1" lang="en-US" altLang="ko-KR" sz="1400" dirty="0">
+                <a:solidFill>
+                  <a:schemeClr val="bg1"/>
+                </a:solidFill>
+              </a:rPr>
+              <a:t>,</a:t>
             </a:r>
             <a:r>
               <a:rPr kumimoji="1" lang="ko-KR" altLang="en-US" sz="1400" dirty="0">
@@ -13705,12 +13451,12 @@
               <a:t> </a:t>
             </a:r>
             <a:r>
-              <a:rPr kumimoji="1" lang="en-US" altLang="ko-KR" sz="1400" dirty="0">
-                <a:solidFill>
-                  <a:schemeClr val="bg1"/>
-                </a:solidFill>
-              </a:rPr>
-              <a:t>MySQL</a:t>
+              <a:rPr kumimoji="1" lang="ko-KR" altLang="en-US" sz="1400" dirty="0" err="1">
+                <a:solidFill>
+                  <a:schemeClr val="bg1"/>
+                </a:solidFill>
+              </a:rPr>
+              <a:t>외부키</a:t>
             </a:r>
             <a:r>
               <a:rPr kumimoji="1" lang="ko-KR" altLang="en-US" sz="1400" dirty="0">
@@ -13718,7 +13464,7 @@
                   <a:schemeClr val="bg1"/>
                 </a:solidFill>
               </a:rPr>
-              <a:t>에 삽입</a:t>
+              <a:t> 설정</a:t>
             </a:r>
             <a:endParaRPr kumimoji="1" lang="en-US" altLang="ko-KR" sz="1400" dirty="0">
               <a:solidFill>
@@ -13730,10 +13476,10 @@
       </p:sp>
       <p:pic>
         <p:nvPicPr>
-          <p:cNvPr id="11" name="그림 10" descr="텍스트이(가) 표시된 사진&#10;&#10;자동 생성된 설명">
-            <a:extLst>
-              <a:ext uri="{FF2B5EF4-FFF2-40B4-BE49-F238E27FC236}">
-                <a16:creationId xmlns:a16="http://schemas.microsoft.com/office/drawing/2014/main" id="{E67333C0-E58F-5344-A683-200B8F9E85DD}"/>
+          <p:cNvPr id="8" name="그림 7" descr="텍스트이(가) 표시된 사진&#10;&#10;자동 생성된 설명">
+            <a:extLst>
+              <a:ext uri="{FF2B5EF4-FFF2-40B4-BE49-F238E27FC236}">
+                <a16:creationId xmlns:a16="http://schemas.microsoft.com/office/drawing/2014/main" id="{5316A9B0-671E-4F41-A18A-A3BD6A98B5DB}"/>
               </a:ext>
             </a:extLst>
           </p:cNvPr>
@@ -13742,7 +13488,7 @@
           </p:cNvPicPr>
           <p:nvPr/>
         </p:nvPicPr>
-        <p:blipFill rotWithShape="1">
+        <p:blipFill>
           <a:blip r:embed="rId3">
             <a:extLst>
               <a:ext uri="{28A0092B-C50C-407E-A947-70E740481C1C}">
@@ -13750,13 +13496,50 @@
               </a:ext>
             </a:extLst>
           </a:blip>
-          <a:srcRect t="8458"/>
-          <a:stretch/>
+          <a:stretch>
+            <a:fillRect/>
+          </a:stretch>
         </p:blipFill>
         <p:spPr>
           <a:xfrm>
-            <a:off x="598817" y="1250066"/>
-            <a:ext cx="6324600" cy="4801483"/>
+            <a:off x="686778" y="857572"/>
+            <a:ext cx="4354183" cy="3823866"/>
+          </a:xfrm>
+          <a:prstGeom prst="rect">
+            <a:avLst/>
+          </a:prstGeom>
+        </p:spPr>
+      </p:pic>
+      <p:pic>
+        <p:nvPicPr>
+          <p:cNvPr id="6" name="그림 5">
+            <a:extLst>
+              <a:ext uri="{FF2B5EF4-FFF2-40B4-BE49-F238E27FC236}">
+                <a16:creationId xmlns:a16="http://schemas.microsoft.com/office/drawing/2014/main" id="{A8CFFFDD-5F71-9F49-A27C-2E00806CBC70}"/>
+              </a:ext>
+            </a:extLst>
+          </p:cNvPr>
+          <p:cNvPicPr>
+            <a:picLocks noChangeAspect="1"/>
+          </p:cNvPicPr>
+          <p:nvPr/>
+        </p:nvPicPr>
+        <p:blipFill>
+          <a:blip r:embed="rId4">
+            <a:extLst>
+              <a:ext uri="{28A0092B-C50C-407E-A947-70E740481C1C}">
+                <a14:useLocalDpi xmlns:a14="http://schemas.microsoft.com/office/drawing/2010/main" val="0"/>
+              </a:ext>
+            </a:extLst>
+          </a:blip>
+          <a:stretch>
+            <a:fillRect/>
+          </a:stretch>
+        </p:blipFill>
+        <p:spPr>
+          <a:xfrm>
+            <a:off x="6277896" y="1345463"/>
+            <a:ext cx="1066800" cy="3022600"/>
           </a:xfrm>
           <a:prstGeom prst="rect">
             <a:avLst/>
@@ -13766,7 +13549,7 @@
     </p:spTree>
     <p:extLst>
       <p:ext uri="{BB962C8B-B14F-4D97-AF65-F5344CB8AC3E}">
-        <p14:creationId xmlns:p14="http://schemas.microsoft.com/office/powerpoint/2010/main" val="542784925"/>
+        <p14:creationId xmlns:p14="http://schemas.microsoft.com/office/powerpoint/2010/main" val="1639384264"/>
       </p:ext>
     </p:extLst>
   </p:cSld>
@@ -13912,7 +13695,7 @@
                   <a:schemeClr val="bg1"/>
                 </a:solidFill>
               </a:rPr>
-              <a:t>2.</a:t>
+              <a:t>3.</a:t>
             </a:r>
             <a:r>
               <a:rPr kumimoji="1" lang="ko-KR" altLang="en-US" sz="1400" dirty="0">
@@ -13920,23 +13703,15 @@
                   <a:schemeClr val="bg1"/>
                 </a:solidFill>
               </a:rPr>
-              <a:t> </a:t>
-            </a:r>
-            <a:r>
-              <a:rPr kumimoji="1" lang="en-US" altLang="ko-Kore-KR" sz="1400" dirty="0">
-                <a:solidFill>
-                  <a:schemeClr val="bg1"/>
-                </a:solidFill>
-              </a:rPr>
-              <a:t>Table Schema</a:t>
-            </a:r>
-            <a:r>
-              <a:rPr kumimoji="1" lang="ko-KR" altLang="en-US" sz="1400" dirty="0" err="1">
-                <a:solidFill>
-                  <a:schemeClr val="bg1"/>
-                </a:solidFill>
-              </a:rPr>
-              <a:t>를</a:t>
+              <a:t>   만들어진 </a:t>
+            </a:r>
+            <a:r>
+              <a:rPr kumimoji="1" lang="en-US" altLang="ko-KR" sz="1400" dirty="0">
+                <a:solidFill>
+                  <a:schemeClr val="bg1"/>
+                </a:solidFill>
+              </a:rPr>
+              <a:t>Table</a:t>
             </a:r>
             <a:r>
               <a:rPr kumimoji="1" lang="ko-KR" altLang="en-US" sz="1400" dirty="0">
@@ -13944,7 +13719,7 @@
                   <a:schemeClr val="bg1"/>
                 </a:solidFill>
               </a:rPr>
-              <a:t> 바탕으로 설계한 </a:t>
+              <a:t>에 </a:t>
             </a:r>
             <a:r>
               <a:rPr kumimoji="1" lang="en-US" altLang="ko-KR" sz="1400" dirty="0">
@@ -13952,7 +13727,7 @@
                   <a:schemeClr val="bg1"/>
                 </a:solidFill>
               </a:rPr>
-              <a:t>Table</a:t>
+              <a:t>insert into select</a:t>
             </a:r>
             <a:r>
               <a:rPr kumimoji="1" lang="ko-KR" altLang="en-US" sz="1400" dirty="0">
@@ -13960,79 +13735,7 @@
                   <a:schemeClr val="bg1"/>
                 </a:solidFill>
               </a:rPr>
-              <a:t> 만들기</a:t>
-            </a:r>
-            <a:r>
-              <a:rPr kumimoji="1" lang="en-US" altLang="ko-KR" sz="1400" dirty="0">
-                <a:solidFill>
-                  <a:schemeClr val="bg1"/>
-                </a:solidFill>
-              </a:rPr>
-              <a:t>(</a:t>
-            </a:r>
-            <a:r>
-              <a:rPr kumimoji="1" lang="ko-KR" altLang="en-US" sz="1400" dirty="0">
-                <a:solidFill>
-                  <a:schemeClr val="bg1"/>
-                </a:solidFill>
-              </a:rPr>
-              <a:t>데이터 타입</a:t>
-            </a:r>
-            <a:r>
-              <a:rPr kumimoji="1" lang="en-US" altLang="ko-KR" sz="1400" dirty="0">
-                <a:solidFill>
-                  <a:schemeClr val="bg1"/>
-                </a:solidFill>
-              </a:rPr>
-              <a:t>,</a:t>
-            </a:r>
-            <a:r>
-              <a:rPr kumimoji="1" lang="ko-KR" altLang="en-US" sz="1400" dirty="0">
-                <a:solidFill>
-                  <a:schemeClr val="bg1"/>
-                </a:solidFill>
-              </a:rPr>
-              <a:t> </a:t>
-            </a:r>
-            <a:r>
-              <a:rPr kumimoji="1" lang="ko-KR" altLang="en-US" sz="1400" dirty="0" err="1">
-                <a:solidFill>
-                  <a:schemeClr val="bg1"/>
-                </a:solidFill>
-              </a:rPr>
-              <a:t>기본키</a:t>
-            </a:r>
-            <a:r>
-              <a:rPr kumimoji="1" lang="en-US" altLang="ko-KR" sz="1400" dirty="0">
-                <a:solidFill>
-                  <a:schemeClr val="bg1"/>
-                </a:solidFill>
-              </a:rPr>
-              <a:t>,</a:t>
-            </a:r>
-            <a:r>
-              <a:rPr kumimoji="1" lang="ko-KR" altLang="en-US" sz="1400" dirty="0">
-                <a:solidFill>
-                  <a:schemeClr val="bg1"/>
-                </a:solidFill>
-              </a:rPr>
-              <a:t> </a:t>
-            </a:r>
-            <a:r>
-              <a:rPr kumimoji="1" lang="ko-KR" altLang="en-US" sz="1400" dirty="0" err="1">
-                <a:solidFill>
-                  <a:schemeClr val="bg1"/>
-                </a:solidFill>
-              </a:rPr>
-              <a:t>외부키</a:t>
-            </a:r>
-            <a:r>
-              <a:rPr kumimoji="1" lang="ko-KR" altLang="en-US" sz="1400" dirty="0">
-                <a:solidFill>
-                  <a:schemeClr val="bg1"/>
-                </a:solidFill>
-              </a:rPr>
-              <a:t> 설정</a:t>
+              <a:t>문으로 데이터 값 삽입</a:t>
             </a:r>
             <a:endParaRPr kumimoji="1" lang="en-US" altLang="ko-KR" sz="1400" dirty="0">
               <a:solidFill>
@@ -14040,14 +13743,21 @@
               </a:solidFill>
             </a:endParaRPr>
           </a:p>
+          <a:p>
+            <a:endParaRPr kumimoji="1" lang="en-US" altLang="ko-KR" sz="1400" dirty="0">
+              <a:solidFill>
+                <a:schemeClr val="bg1"/>
+              </a:solidFill>
+            </a:endParaRPr>
+          </a:p>
         </p:txBody>
       </p:sp>
       <p:pic>
         <p:nvPicPr>
-          <p:cNvPr id="8" name="그림 7" descr="텍스트이(가) 표시된 사진&#10;&#10;자동 생성된 설명">
-            <a:extLst>
-              <a:ext uri="{FF2B5EF4-FFF2-40B4-BE49-F238E27FC236}">
-                <a16:creationId xmlns:a16="http://schemas.microsoft.com/office/drawing/2014/main" id="{5316A9B0-671E-4F41-A18A-A3BD6A98B5DB}"/>
+          <p:cNvPr id="3" name="그림 2">
+            <a:extLst>
+              <a:ext uri="{FF2B5EF4-FFF2-40B4-BE49-F238E27FC236}">
+                <a16:creationId xmlns:a16="http://schemas.microsoft.com/office/drawing/2014/main" id="{614554D1-A8F2-584B-9220-88B0B3666DDD}"/>
               </a:ext>
             </a:extLst>
           </p:cNvPr>
@@ -14070,8 +13780,8 @@
         </p:blipFill>
         <p:spPr>
           <a:xfrm>
-            <a:off x="686778" y="857572"/>
-            <a:ext cx="4354183" cy="3823866"/>
+            <a:off x="505004" y="1063170"/>
+            <a:ext cx="8464303" cy="787377"/>
           </a:xfrm>
           <a:prstGeom prst="rect">
             <a:avLst/>
@@ -14083,7 +13793,7 @@
           <p:cNvPr id="6" name="그림 5">
             <a:extLst>
               <a:ext uri="{FF2B5EF4-FFF2-40B4-BE49-F238E27FC236}">
-                <a16:creationId xmlns:a16="http://schemas.microsoft.com/office/drawing/2014/main" id="{A8CFFFDD-5F71-9F49-A27C-2E00806CBC70}"/>
+                <a16:creationId xmlns:a16="http://schemas.microsoft.com/office/drawing/2014/main" id="{82900FCD-843A-8E4E-8262-D0C4D291B63E}"/>
               </a:ext>
             </a:extLst>
           </p:cNvPr>
@@ -14106,18 +13816,62 @@
         </p:blipFill>
         <p:spPr>
           <a:xfrm>
-            <a:off x="6277896" y="1345463"/>
-            <a:ext cx="1066800" cy="3022600"/>
+            <a:off x="122479" y="3439886"/>
+            <a:ext cx="9661041" cy="181428"/>
           </a:xfrm>
           <a:prstGeom prst="rect">
             <a:avLst/>
           </a:prstGeom>
         </p:spPr>
       </p:pic>
+      <p:sp>
+        <p:nvSpPr>
+          <p:cNvPr id="8" name="TextBox 7">
+            <a:extLst>
+              <a:ext uri="{FF2B5EF4-FFF2-40B4-BE49-F238E27FC236}">
+                <a16:creationId xmlns:a16="http://schemas.microsoft.com/office/drawing/2014/main" id="{2B1ECFD7-A4EE-E843-ADA4-CF3860C9453B}"/>
+              </a:ext>
+            </a:extLst>
+          </p:cNvPr>
+          <p:cNvSpPr txBox="1"/>
+          <p:nvPr/>
+        </p:nvSpPr>
+        <p:spPr>
+          <a:xfrm>
+            <a:off x="411193" y="2961697"/>
+            <a:ext cx="1915783" cy="369332"/>
+          </a:xfrm>
+          <a:prstGeom prst="rect">
+            <a:avLst/>
+          </a:prstGeom>
+          <a:noFill/>
+        </p:spPr>
+        <p:txBody>
+          <a:bodyPr wrap="square" rtlCol="0">
+            <a:spAutoFit/>
+          </a:bodyPr>
+          <a:lstStyle/>
+          <a:p>
+            <a:r>
+              <a:rPr kumimoji="1" lang="ko-KR" altLang="en-US" dirty="0">
+                <a:solidFill>
+                  <a:schemeClr val="bg1"/>
+                </a:solidFill>
+              </a:rPr>
+              <a:t>실행결과</a:t>
+            </a:r>
+            <a:endParaRPr kumimoji="1" lang="ko-Kore-KR" altLang="en-US" dirty="0">
+              <a:solidFill>
+                <a:schemeClr val="bg1"/>
+              </a:solidFill>
+            </a:endParaRPr>
+          </a:p>
+        </p:txBody>
+      </p:sp>
     </p:spTree>
     <p:extLst>
       <p:ext uri="{BB962C8B-B14F-4D97-AF65-F5344CB8AC3E}">
-        <p14:creationId xmlns:p14="http://schemas.microsoft.com/office/powerpoint/2010/main" val="1639384264"/>
+        <p14:creationId xmlns:p14="http://schemas.microsoft.com/office/powerpoint/2010/main" val="2746067066"/>
       </p:ext>
     </p:extLst>
   </p:cSld>

--- a/IMDB 자료.pptx
+++ b/IMDB 자료.pptx
@@ -5,7 +5,7 @@
     <p:sldMasterId id="2147483732" r:id="rId1"/>
   </p:sldMasterIdLst>
   <p:notesMasterIdLst>
-    <p:notesMasterId r:id="rId23"/>
+    <p:notesMasterId r:id="rId22"/>
   </p:notesMasterIdLst>
   <p:sldIdLst>
     <p:sldId id="329" r:id="rId2"/>
@@ -28,7 +28,6 @@
     <p:sldId id="366" r:id="rId19"/>
     <p:sldId id="369" r:id="rId20"/>
     <p:sldId id="367" r:id="rId21"/>
-    <p:sldId id="370" r:id="rId22"/>
   </p:sldIdLst>
   <p:sldSz cx="9906000" cy="6858000" type="A4"/>
   <p:notesSz cx="6858000" cy="9144000"/>
@@ -8876,409 +8875,6 @@
     <p:extLst>
       <p:ext uri="{BB962C8B-B14F-4D97-AF65-F5344CB8AC3E}">
         <p14:creationId xmlns:p14="http://schemas.microsoft.com/office/powerpoint/2010/main" val="998402038"/>
-      </p:ext>
-    </p:extLst>
-  </p:cSld>
-  <p:clrMapOvr>
-    <a:masterClrMapping/>
-  </p:clrMapOvr>
-</p:sld>
-</file>
-
-<file path=ppt/slides/slide21.xml><?xml version="1.0" encoding="utf-8"?>
-<p:sld xmlns:a="http://schemas.openxmlformats.org/drawingml/2006/main" xmlns:r="http://schemas.openxmlformats.org/officeDocument/2006/relationships" xmlns:p="http://schemas.openxmlformats.org/presentationml/2006/main">
-  <p:cSld>
-    <p:bg>
-      <p:bgPr>
-        <a:blipFill dpi="0" rotWithShape="1">
-          <a:blip r:embed="rId2">
-            <a:lum/>
-          </a:blip>
-          <a:srcRect/>
-          <a:stretch>
-            <a:fillRect t="-1000" b="-1000"/>
-          </a:stretch>
-        </a:blipFill>
-        <a:effectLst/>
-      </p:bgPr>
-    </p:bg>
-    <p:spTree>
-      <p:nvGrpSpPr>
-        <p:cNvPr id="1" name=""/>
-        <p:cNvGrpSpPr/>
-        <p:nvPr/>
-      </p:nvGrpSpPr>
-      <p:grpSpPr>
-        <a:xfrm>
-          <a:off x="0" y="0"/>
-          <a:ext cx="0" cy="0"/>
-          <a:chOff x="0" y="0"/>
-          <a:chExt cx="0" cy="0"/>
-        </a:xfrm>
-      </p:grpSpPr>
-      <p:cxnSp>
-        <p:nvCxnSpPr>
-          <p:cNvPr id="5" name="직선 연결선 4"/>
-          <p:cNvCxnSpPr/>
-          <p:nvPr/>
-        </p:nvCxnSpPr>
-        <p:spPr>
-          <a:xfrm>
-            <a:off x="411193" y="526207"/>
-            <a:ext cx="187624" cy="0"/>
-          </a:xfrm>
-          <a:prstGeom prst="line">
-            <a:avLst/>
-          </a:prstGeom>
-          <a:ln w="38100">
-            <a:solidFill>
-              <a:schemeClr val="accent5">
-                <a:lumMod val="75000"/>
-              </a:schemeClr>
-            </a:solidFill>
-          </a:ln>
-        </p:spPr>
-        <p:style>
-          <a:lnRef idx="1">
-            <a:schemeClr val="accent1"/>
-          </a:lnRef>
-          <a:fillRef idx="0">
-            <a:schemeClr val="accent1"/>
-          </a:fillRef>
-          <a:effectRef idx="0">
-            <a:schemeClr val="accent1"/>
-          </a:effectRef>
-          <a:fontRef idx="minor">
-            <a:schemeClr val="tx1"/>
-          </a:fontRef>
-        </p:style>
-      </p:cxnSp>
-      <p:sp>
-        <p:nvSpPr>
-          <p:cNvPr id="7" name="직사각형 6"/>
-          <p:cNvSpPr/>
-          <p:nvPr/>
-        </p:nvSpPr>
-        <p:spPr>
-          <a:xfrm>
-            <a:off x="686778" y="334778"/>
-            <a:ext cx="4790993" cy="400110"/>
-          </a:xfrm>
-          <a:prstGeom prst="rect">
-            <a:avLst/>
-          </a:prstGeom>
-        </p:spPr>
-        <p:txBody>
-          <a:bodyPr vert="horz" wrap="square">
-            <a:spAutoFit/>
-          </a:bodyPr>
-          <a:lstStyle/>
-          <a:p>
-            <a:r>
-              <a:rPr lang="ko-KR" altLang="en-US" sz="2000" dirty="0">
-                <a:solidFill>
-                  <a:schemeClr val="bg1"/>
-                </a:solidFill>
-                <a:latin typeface="아리따-돋움(TTF)-Bold" panose="02020603020101020101" pitchFamily="18" charset="-127"/>
-                <a:ea typeface="아리따-돋움(TTF)-Bold" panose="02020603020101020101" pitchFamily="18" charset="-127"/>
-              </a:rPr>
-              <a:t>코드 실행</a:t>
-            </a:r>
-            <a:endParaRPr lang="en-US" altLang="ko-KR" sz="2000" dirty="0">
-              <a:solidFill>
-                <a:schemeClr val="bg1"/>
-              </a:solidFill>
-              <a:latin typeface="아리따-돋움(TTF)-Bold" panose="02020603020101020101" pitchFamily="18" charset="-127"/>
-              <a:ea typeface="아리따-돋움(TTF)-Bold" panose="02020603020101020101" pitchFamily="18" charset="-127"/>
-            </a:endParaRPr>
-          </a:p>
-        </p:txBody>
-      </p:sp>
-      <p:sp>
-        <p:nvSpPr>
-          <p:cNvPr id="21" name="직사각형 20">
-            <a:extLst>
-              <a:ext uri="{FF2B5EF4-FFF2-40B4-BE49-F238E27FC236}">
-                <a16:creationId xmlns:a16="http://schemas.microsoft.com/office/drawing/2014/main" id="{1F6C7239-DCD1-9B42-87F1-919479BEA827}"/>
-              </a:ext>
-            </a:extLst>
-          </p:cNvPr>
-          <p:cNvSpPr/>
-          <p:nvPr/>
-        </p:nvSpPr>
-        <p:spPr>
-          <a:xfrm>
-            <a:off x="280829" y="892990"/>
-            <a:ext cx="9185095" cy="646331"/>
-          </a:xfrm>
-          <a:prstGeom prst="rect">
-            <a:avLst/>
-          </a:prstGeom>
-        </p:spPr>
-        <p:txBody>
-          <a:bodyPr wrap="square">
-            <a:spAutoFit/>
-          </a:bodyPr>
-          <a:lstStyle/>
-          <a:p>
-            <a:r>
-              <a:rPr lang="ko-KR" altLang="en-US" dirty="0">
-                <a:solidFill>
-                  <a:schemeClr val="bg1"/>
-                </a:solidFill>
-              </a:rPr>
-              <a:t>만약 </a:t>
-            </a:r>
-            <a:r>
-              <a:rPr lang="en" altLang="ko-Kore-KR" dirty="0" err="1">
-                <a:solidFill>
-                  <a:schemeClr val="bg1"/>
-                </a:solidFill>
-              </a:rPr>
-              <a:t>primaryName</a:t>
-            </a:r>
-            <a:r>
-              <a:rPr lang="ko-KR" altLang="en-US" dirty="0">
-                <a:solidFill>
-                  <a:schemeClr val="bg1"/>
-                </a:solidFill>
-              </a:rPr>
-              <a:t>이나 </a:t>
-            </a:r>
-            <a:r>
-              <a:rPr lang="en" altLang="ko-Kore-KR" dirty="0" err="1">
-                <a:solidFill>
-                  <a:schemeClr val="bg1"/>
-                </a:solidFill>
-              </a:rPr>
-              <a:t>primaryTitle</a:t>
-            </a:r>
-            <a:r>
-              <a:rPr lang="ko-KR" altLang="en-US" dirty="0">
-                <a:solidFill>
-                  <a:schemeClr val="bg1"/>
-                </a:solidFill>
-              </a:rPr>
-              <a:t>에 </a:t>
-            </a:r>
-            <a:r>
-              <a:rPr lang="en" altLang="ko-Kore-KR" dirty="0">
-                <a:solidFill>
-                  <a:schemeClr val="bg1"/>
-                </a:solidFill>
-              </a:rPr>
-              <a:t>hash</a:t>
-            </a:r>
-            <a:r>
-              <a:rPr lang="ko-KR" altLang="en-US" dirty="0">
-                <a:solidFill>
-                  <a:schemeClr val="bg1"/>
-                </a:solidFill>
-              </a:rPr>
-              <a:t> </a:t>
-            </a:r>
-            <a:r>
-              <a:rPr lang="en-US" altLang="ko-KR" dirty="0">
-                <a:solidFill>
-                  <a:schemeClr val="bg1"/>
-                </a:solidFill>
-              </a:rPr>
-              <a:t>table</a:t>
-            </a:r>
-            <a:r>
-              <a:rPr lang="ko-KR" altLang="en-US" dirty="0">
-                <a:solidFill>
-                  <a:schemeClr val="bg1"/>
-                </a:solidFill>
-              </a:rPr>
-              <a:t> 구조를 가진</a:t>
-            </a:r>
-            <a:r>
-              <a:rPr lang="en" altLang="ko-Kore-KR" dirty="0">
-                <a:solidFill>
-                  <a:schemeClr val="bg1"/>
-                </a:solidFill>
-              </a:rPr>
-              <a:t> indexing</a:t>
-            </a:r>
-            <a:r>
-              <a:rPr lang="ko-KR" altLang="en-US" dirty="0">
-                <a:solidFill>
-                  <a:schemeClr val="bg1"/>
-                </a:solidFill>
-              </a:rPr>
-              <a:t>이 가능했다면 훨씬 빠른 수행이 </a:t>
-            </a:r>
-            <a:r>
-              <a:rPr lang="ko-KR" altLang="en-US" dirty="0" err="1">
-                <a:solidFill>
-                  <a:schemeClr val="bg1"/>
-                </a:solidFill>
-              </a:rPr>
-              <a:t>가능했을것</a:t>
-            </a:r>
-            <a:r>
-              <a:rPr lang="ko-KR" altLang="en-US" dirty="0">
-                <a:solidFill>
-                  <a:schemeClr val="bg1"/>
-                </a:solidFill>
-              </a:rPr>
-              <a:t> 이라 예상됩니다</a:t>
-            </a:r>
-            <a:r>
-              <a:rPr lang="en-US" altLang="ko-KR" dirty="0">
-                <a:solidFill>
-                  <a:schemeClr val="bg1"/>
-                </a:solidFill>
-              </a:rPr>
-              <a:t>.</a:t>
-            </a:r>
-          </a:p>
-        </p:txBody>
-      </p:sp>
-      <p:sp>
-        <p:nvSpPr>
-          <p:cNvPr id="6" name="직사각형 5">
-            <a:extLst>
-              <a:ext uri="{FF2B5EF4-FFF2-40B4-BE49-F238E27FC236}">
-                <a16:creationId xmlns:a16="http://schemas.microsoft.com/office/drawing/2014/main" id="{55C173D1-9372-2F46-951E-FDD0575E9F47}"/>
-              </a:ext>
-            </a:extLst>
-          </p:cNvPr>
-          <p:cNvSpPr/>
-          <p:nvPr/>
-        </p:nvSpPr>
-        <p:spPr>
-          <a:xfrm>
-            <a:off x="411193" y="1721437"/>
-            <a:ext cx="9185095" cy="369332"/>
-          </a:xfrm>
-          <a:prstGeom prst="rect">
-            <a:avLst/>
-          </a:prstGeom>
-        </p:spPr>
-        <p:txBody>
-          <a:bodyPr wrap="square">
-            <a:spAutoFit/>
-          </a:bodyPr>
-          <a:lstStyle/>
-          <a:p>
-            <a:r>
-              <a:rPr lang="en-US" altLang="ko-KR" dirty="0">
-                <a:solidFill>
-                  <a:schemeClr val="bg1"/>
-                </a:solidFill>
-              </a:rPr>
-              <a:t>Python</a:t>
-            </a:r>
-            <a:r>
-              <a:rPr lang="ko-KR" altLang="en-US" dirty="0">
-                <a:solidFill>
-                  <a:schemeClr val="bg1"/>
-                </a:solidFill>
-              </a:rPr>
-              <a:t>을 이용해 </a:t>
-            </a:r>
-            <a:r>
-              <a:rPr lang="en-US" altLang="ko-KR" dirty="0">
-                <a:solidFill>
-                  <a:schemeClr val="bg1"/>
-                </a:solidFill>
-              </a:rPr>
-              <a:t>Query </a:t>
-            </a:r>
-            <a:r>
-              <a:rPr lang="ko-KR" altLang="en-US" dirty="0">
-                <a:solidFill>
-                  <a:schemeClr val="bg1"/>
-                </a:solidFill>
-              </a:rPr>
-              <a:t>실행 코드</a:t>
-            </a:r>
-            <a:endParaRPr lang="en-US" altLang="ko-KR" dirty="0">
-              <a:solidFill>
-                <a:schemeClr val="bg1"/>
-              </a:solidFill>
-            </a:endParaRPr>
-          </a:p>
-        </p:txBody>
-      </p:sp>
-      <p:pic>
-        <p:nvPicPr>
-          <p:cNvPr id="3" name="그림 2" descr="텍스트이(가) 표시된 사진&#10;&#10;자동 생성된 설명">
-            <a:extLst>
-              <a:ext uri="{FF2B5EF4-FFF2-40B4-BE49-F238E27FC236}">
-                <a16:creationId xmlns:a16="http://schemas.microsoft.com/office/drawing/2014/main" id="{B7180696-6BD8-4B46-9969-00887A58E5A4}"/>
-              </a:ext>
-            </a:extLst>
-          </p:cNvPr>
-          <p:cNvPicPr>
-            <a:picLocks noChangeAspect="1"/>
-          </p:cNvPicPr>
-          <p:nvPr/>
-        </p:nvPicPr>
-        <p:blipFill>
-          <a:blip r:embed="rId3">
-            <a:extLst>
-              <a:ext uri="{28A0092B-C50C-407E-A947-70E740481C1C}">
-                <a14:useLocalDpi xmlns:a14="http://schemas.microsoft.com/office/drawing/2010/main" val="0"/>
-              </a:ext>
-            </a:extLst>
-          </a:blip>
-          <a:stretch>
-            <a:fillRect/>
-          </a:stretch>
-        </p:blipFill>
-        <p:spPr>
-          <a:xfrm>
-            <a:off x="411193" y="2090769"/>
-            <a:ext cx="7531100" cy="3568700"/>
-          </a:xfrm>
-          <a:prstGeom prst="rect">
-            <a:avLst/>
-          </a:prstGeom>
-        </p:spPr>
-      </p:pic>
-      <p:pic>
-        <p:nvPicPr>
-          <p:cNvPr id="4" name="그림 3">
-            <a:extLst>
-              <a:ext uri="{FF2B5EF4-FFF2-40B4-BE49-F238E27FC236}">
-                <a16:creationId xmlns:a16="http://schemas.microsoft.com/office/drawing/2014/main" id="{BEA3F5D6-DF91-8749-B1E6-F4914A1120FF}"/>
-              </a:ext>
-            </a:extLst>
-          </p:cNvPr>
-          <p:cNvPicPr>
-            <a:picLocks noChangeAspect="1"/>
-          </p:cNvPicPr>
-          <p:nvPr/>
-        </p:nvPicPr>
-        <p:blipFill>
-          <a:blip r:embed="rId4">
-            <a:extLst>
-              <a:ext uri="{28A0092B-C50C-407E-A947-70E740481C1C}">
-                <a14:useLocalDpi xmlns:a14="http://schemas.microsoft.com/office/drawing/2010/main" val="0"/>
-              </a:ext>
-            </a:extLst>
-          </a:blip>
-          <a:stretch>
-            <a:fillRect/>
-          </a:stretch>
-        </p:blipFill>
-        <p:spPr>
-          <a:xfrm>
-            <a:off x="411193" y="5812837"/>
-            <a:ext cx="7556500" cy="711200"/>
-          </a:xfrm>
-          <a:prstGeom prst="rect">
-            <a:avLst/>
-          </a:prstGeom>
-        </p:spPr>
-      </p:pic>
-    </p:spTree>
-    <p:extLst>
-      <p:ext uri="{BB962C8B-B14F-4D97-AF65-F5344CB8AC3E}">
-        <p14:creationId xmlns:p14="http://schemas.microsoft.com/office/powerpoint/2010/main" val="3154277836"/>
       </p:ext>
     </p:extLst>
   </p:cSld>
